--- a/template.pptx
+++ b/template.pptx
@@ -322,7 +322,7 @@
             <a:fld id="{1D8BD707-D9CF-40AE-B4C6-C98DA3205C09}" type="datetimeFigureOut">
               <a:rPr lang="en-US" smtClean="0"/>
               <a:pPr/>
-              <a:t>3/5/2025</a:t>
+              <a:t>3/6/2025</a:t>
             </a:fld>
             <a:endParaRPr lang="en-US"/>
           </a:p>
@@ -487,7 +487,7 @@
             <a:fld id="{1D8BD707-D9CF-40AE-B4C6-C98DA3205C09}" type="datetimeFigureOut">
               <a:rPr lang="en-US" smtClean="0"/>
               <a:pPr/>
-              <a:t>3/5/2025</a:t>
+              <a:t>3/6/2025</a:t>
             </a:fld>
             <a:endParaRPr lang="en-US"/>
           </a:p>
@@ -662,7 +662,7 @@
             <a:fld id="{1D8BD707-D9CF-40AE-B4C6-C98DA3205C09}" type="datetimeFigureOut">
               <a:rPr lang="en-US" smtClean="0"/>
               <a:pPr/>
-              <a:t>3/5/2025</a:t>
+              <a:t>3/6/2025</a:t>
             </a:fld>
             <a:endParaRPr lang="en-US"/>
           </a:p>
@@ -827,7 +827,7 @@
             <a:fld id="{1D8BD707-D9CF-40AE-B4C6-C98DA3205C09}" type="datetimeFigureOut">
               <a:rPr lang="en-US" smtClean="0"/>
               <a:pPr/>
-              <a:t>3/5/2025</a:t>
+              <a:t>3/6/2025</a:t>
             </a:fld>
             <a:endParaRPr lang="en-US"/>
           </a:p>
@@ -1069,7 +1069,7 @@
             <a:fld id="{1D8BD707-D9CF-40AE-B4C6-C98DA3205C09}" type="datetimeFigureOut">
               <a:rPr lang="en-US" smtClean="0"/>
               <a:pPr/>
-              <a:t>3/5/2025</a:t>
+              <a:t>3/6/2025</a:t>
             </a:fld>
             <a:endParaRPr lang="en-US"/>
           </a:p>
@@ -1351,7 +1351,7 @@
             <a:fld id="{1D8BD707-D9CF-40AE-B4C6-C98DA3205C09}" type="datetimeFigureOut">
               <a:rPr lang="en-US" smtClean="0"/>
               <a:pPr/>
-              <a:t>3/5/2025</a:t>
+              <a:t>3/6/2025</a:t>
             </a:fld>
             <a:endParaRPr lang="en-US"/>
           </a:p>
@@ -1767,7 +1767,7 @@
             <a:fld id="{1D8BD707-D9CF-40AE-B4C6-C98DA3205C09}" type="datetimeFigureOut">
               <a:rPr lang="en-US" smtClean="0"/>
               <a:pPr/>
-              <a:t>3/5/2025</a:t>
+              <a:t>3/6/2025</a:t>
             </a:fld>
             <a:endParaRPr lang="en-US"/>
           </a:p>
@@ -1881,7 +1881,7 @@
             <a:fld id="{1D8BD707-D9CF-40AE-B4C6-C98DA3205C09}" type="datetimeFigureOut">
               <a:rPr lang="en-US" smtClean="0"/>
               <a:pPr/>
-              <a:t>3/5/2025</a:t>
+              <a:t>3/6/2025</a:t>
             </a:fld>
             <a:endParaRPr lang="en-US"/>
           </a:p>
@@ -1973,7 +1973,7 @@
             <a:fld id="{1D8BD707-D9CF-40AE-B4C6-C98DA3205C09}" type="datetimeFigureOut">
               <a:rPr lang="en-US" smtClean="0"/>
               <a:pPr/>
-              <a:t>3/5/2025</a:t>
+              <a:t>3/6/2025</a:t>
             </a:fld>
             <a:endParaRPr lang="en-US"/>
           </a:p>
@@ -2245,7 +2245,7 @@
             <a:fld id="{1D8BD707-D9CF-40AE-B4C6-C98DA3205C09}" type="datetimeFigureOut">
               <a:rPr lang="en-US" smtClean="0"/>
               <a:pPr/>
-              <a:t>3/5/2025</a:t>
+              <a:t>3/6/2025</a:t>
             </a:fld>
             <a:endParaRPr lang="en-US"/>
           </a:p>
@@ -2494,7 +2494,7 @@
             <a:fld id="{1D8BD707-D9CF-40AE-B4C6-C98DA3205C09}" type="datetimeFigureOut">
               <a:rPr lang="en-US" smtClean="0"/>
               <a:pPr/>
-              <a:t>3/5/2025</a:t>
+              <a:t>3/6/2025</a:t>
             </a:fld>
             <a:endParaRPr lang="en-US"/>
           </a:p>
@@ -2702,7 +2702,7 @@
             <a:fld id="{1D8BD707-D9CF-40AE-B4C6-C98DA3205C09}" type="datetimeFigureOut">
               <a:rPr lang="en-US" smtClean="0"/>
               <a:pPr/>
-              <a:t>3/5/2025</a:t>
+              <a:t>3/6/2025</a:t>
             </a:fld>
             <a:endParaRPr lang="en-US"/>
           </a:p>
@@ -3073,6 +3073,53 @@
           <a:chExt cx="0" cy="0"/>
         </a:xfrm>
       </p:grpSpPr>
+      <p:pic>
+        <p:nvPicPr>
+          <p:cNvPr id="1026" name="Picture 2">
+            <a:extLst>
+              <a:ext uri="{FF2B5EF4-FFF2-40B4-BE49-F238E27FC236}">
+                <a16:creationId xmlns:a16="http://schemas.microsoft.com/office/drawing/2014/main" id="{B00E31BC-CC50-A479-A161-097345804B06}"/>
+              </a:ext>
+            </a:extLst>
+          </p:cNvPr>
+          <p:cNvPicPr>
+            <a:picLocks noChangeAspect="1" noChangeArrowheads="1"/>
+          </p:cNvPicPr>
+          <p:nvPr/>
+        </p:nvPicPr>
+        <p:blipFill>
+          <a:blip r:embed="rId2">
+            <a:extLst>
+              <a:ext uri="{28A0092B-C50C-407E-A947-70E740481C1C}">
+                <a14:useLocalDpi xmlns:a14="http://schemas.microsoft.com/office/drawing/2010/main" val="0"/>
+              </a:ext>
+            </a:extLst>
+          </a:blip>
+          <a:srcRect/>
+          <a:stretch>
+            <a:fillRect/>
+          </a:stretch>
+        </p:blipFill>
+        <p:spPr bwMode="auto">
+          <a:xfrm>
+            <a:off x="-152400" y="-127524"/>
+            <a:ext cx="19283679" cy="10757424"/>
+          </a:xfrm>
+          <a:prstGeom prst="rect">
+            <a:avLst/>
+          </a:prstGeom>
+          <a:noFill/>
+          <a:extLst>
+            <a:ext uri="{909E8E84-426E-40DD-AFC4-6F175D3DCCD1}">
+              <a14:hiddenFill xmlns:a14="http://schemas.microsoft.com/office/drawing/2010/main">
+                <a:solidFill>
+                  <a:srgbClr val="FFFFFF"/>
+                </a:solidFill>
+              </a14:hiddenFill>
+            </a:ext>
+          </a:extLst>
+        </p:spPr>
+      </p:pic>
       <p:grpSp>
         <p:nvGrpSpPr>
           <p:cNvPr id="4" name="Group 2">
@@ -3430,10 +3477,10 @@
             </a:pathLst>
           </a:custGeom>
           <a:blipFill>
-            <a:blip r:embed="rId2">
+            <a:blip r:embed="rId3">
               <a:extLst>
                 <a:ext uri="{96DAC541-7B7A-43D3-8B79-37D633B846F1}">
-                  <asvg:svgBlip xmlns:asvg="http://schemas.microsoft.com/office/drawing/2016/SVG/main" r:embed="rId3"/>
+                  <asvg:svgBlip xmlns:asvg="http://schemas.microsoft.com/office/drawing/2016/SVG/main" r:embed="rId4"/>
                 </a:ext>
               </a:extLst>
             </a:blip>
@@ -3495,10 +3542,10 @@
             </a:pathLst>
           </a:custGeom>
           <a:blipFill>
-            <a:blip r:embed="rId4">
+            <a:blip r:embed="rId5">
               <a:extLst>
                 <a:ext uri="{96DAC541-7B7A-43D3-8B79-37D633B846F1}">
-                  <asvg:svgBlip xmlns:asvg="http://schemas.microsoft.com/office/drawing/2016/SVG/main" r:embed="rId5"/>
+                  <asvg:svgBlip xmlns:asvg="http://schemas.microsoft.com/office/drawing/2016/SVG/main" r:embed="rId6"/>
                 </a:ext>
               </a:extLst>
             </a:blip>
@@ -3721,7 +3768,7 @@
             </a:pathLst>
           </a:custGeom>
           <a:blipFill>
-            <a:blip r:embed="rId6"/>
+            <a:blip r:embed="rId7"/>
             <a:stretch>
               <a:fillRect/>
             </a:stretch>
@@ -3931,7 +3978,7 @@
             <p:nvPr/>
           </p:nvPicPr>
           <p:blipFill>
-            <a:blip r:embed="rId7"/>
+            <a:blip r:embed="rId8"/>
             <a:srcRect/>
             <a:stretch>
               <a:fillRect/>
@@ -3962,7 +4009,7 @@
             <p:nvPr/>
           </p:nvPicPr>
           <p:blipFill>
-            <a:blip r:embed="rId7"/>
+            <a:blip r:embed="rId8"/>
             <a:srcRect/>
             <a:stretch>
               <a:fillRect/>
@@ -4310,7 +4357,7 @@
         <p:cNvPr id="1" name="">
           <a:extLst>
             <a:ext uri="{FF2B5EF4-FFF2-40B4-BE49-F238E27FC236}">
-              <a16:creationId xmlns:a16="http://schemas.microsoft.com/office/drawing/2014/main" id="{195386DA-75EE-0EF3-02B3-64DA3FA06F5B}"/>
+              <a16:creationId xmlns:a16="http://schemas.microsoft.com/office/drawing/2014/main" id="{E53276BB-8090-91AD-7679-B51C2934AAFE}"/>
             </a:ext>
           </a:extLst>
         </p:cNvPr>
@@ -4325,12 +4372,59 @@
           <a:chExt cx="0" cy="0"/>
         </a:xfrm>
       </p:grpSpPr>
+      <p:pic>
+        <p:nvPicPr>
+          <p:cNvPr id="1026" name="Picture 2">
+            <a:extLst>
+              <a:ext uri="{FF2B5EF4-FFF2-40B4-BE49-F238E27FC236}">
+                <a16:creationId xmlns:a16="http://schemas.microsoft.com/office/drawing/2014/main" id="{503BD955-BD0A-45AD-17DC-FF5DED56DD12}"/>
+              </a:ext>
+            </a:extLst>
+          </p:cNvPr>
+          <p:cNvPicPr>
+            <a:picLocks noChangeAspect="1" noChangeArrowheads="1"/>
+          </p:cNvPicPr>
+          <p:nvPr/>
+        </p:nvPicPr>
+        <p:blipFill>
+          <a:blip r:embed="rId2">
+            <a:extLst>
+              <a:ext uri="{28A0092B-C50C-407E-A947-70E740481C1C}">
+                <a14:useLocalDpi xmlns:a14="http://schemas.microsoft.com/office/drawing/2010/main" val="0"/>
+              </a:ext>
+            </a:extLst>
+          </a:blip>
+          <a:srcRect/>
+          <a:stretch>
+            <a:fillRect/>
+          </a:stretch>
+        </p:blipFill>
+        <p:spPr bwMode="auto">
+          <a:xfrm>
+            <a:off x="-152400" y="-127524"/>
+            <a:ext cx="19283679" cy="10757424"/>
+          </a:xfrm>
+          <a:prstGeom prst="rect">
+            <a:avLst/>
+          </a:prstGeom>
+          <a:noFill/>
+          <a:extLst>
+            <a:ext uri="{909E8E84-426E-40DD-AFC4-6F175D3DCCD1}">
+              <a14:hiddenFill xmlns:a14="http://schemas.microsoft.com/office/drawing/2010/main">
+                <a:solidFill>
+                  <a:srgbClr val="FFFFFF"/>
+                </a:solidFill>
+              </a14:hiddenFill>
+            </a:ext>
+          </a:extLst>
+        </p:spPr>
+      </p:pic>
       <p:grpSp>
         <p:nvGrpSpPr>
           <p:cNvPr id="4" name="Group 2">
             <a:extLst>
               <a:ext uri="{FF2B5EF4-FFF2-40B4-BE49-F238E27FC236}">
-                <a16:creationId xmlns:a16="http://schemas.microsoft.com/office/drawing/2014/main" id="{1C923289-C0AC-2A67-8474-DB725D73FEE8}"/>
+                <a16:creationId xmlns:a16="http://schemas.microsoft.com/office/drawing/2014/main" id="{EB0B05E8-6EC3-29F8-7CD7-F693A9621D9E}"/>
               </a:ext>
             </a:extLst>
           </p:cNvPr>
@@ -4350,7 +4444,7 @@
             <p:cNvPr id="5" name="Freeform 3">
               <a:extLst>
                 <a:ext uri="{FF2B5EF4-FFF2-40B4-BE49-F238E27FC236}">
-                  <a16:creationId xmlns:a16="http://schemas.microsoft.com/office/drawing/2014/main" id="{703132C6-747B-6ACC-09A0-869CDCC3868E}"/>
+                  <a16:creationId xmlns:a16="http://schemas.microsoft.com/office/drawing/2014/main" id="{5813A14D-490E-84AE-4DB6-03C8373BA04B}"/>
                 </a:ext>
               </a:extLst>
             </p:cNvPr>
@@ -4458,7 +4552,7 @@
             <p:cNvPr id="6" name="TextBox 4">
               <a:extLst>
                 <a:ext uri="{FF2B5EF4-FFF2-40B4-BE49-F238E27FC236}">
-                  <a16:creationId xmlns:a16="http://schemas.microsoft.com/office/drawing/2014/main" id="{A9F1D34C-3D18-EA11-B6DA-CBCC66C2CF64}"/>
+                  <a16:creationId xmlns:a16="http://schemas.microsoft.com/office/drawing/2014/main" id="{C7C66295-D903-95DC-8A48-85468713DBCF}"/>
                 </a:ext>
               </a:extLst>
             </p:cNvPr>
@@ -4496,7 +4590,7 @@
           <p:cNvPr id="7" name="Group 5">
             <a:extLst>
               <a:ext uri="{FF2B5EF4-FFF2-40B4-BE49-F238E27FC236}">
-                <a16:creationId xmlns:a16="http://schemas.microsoft.com/office/drawing/2014/main" id="{8FEA611C-DFC5-2F1B-A558-B5E10ED2C1D9}"/>
+                <a16:creationId xmlns:a16="http://schemas.microsoft.com/office/drawing/2014/main" id="{2B5693A7-DEE9-9F74-17AF-81F9614D613C}"/>
               </a:ext>
             </a:extLst>
           </p:cNvPr>
@@ -4516,7 +4610,7 @@
             <p:cNvPr id="8" name="Freeform 6">
               <a:extLst>
                 <a:ext uri="{FF2B5EF4-FFF2-40B4-BE49-F238E27FC236}">
-                  <a16:creationId xmlns:a16="http://schemas.microsoft.com/office/drawing/2014/main" id="{38EADE10-D2E2-9219-AC2B-EF0C61C51ABA}"/>
+                  <a16:creationId xmlns:a16="http://schemas.microsoft.com/office/drawing/2014/main" id="{988F396D-6D8F-17B8-7CC6-D3E4265EF90F}"/>
                 </a:ext>
               </a:extLst>
             </p:cNvPr>
@@ -4604,7 +4698,7 @@
             <p:cNvPr id="9" name="TextBox 7">
               <a:extLst>
                 <a:ext uri="{FF2B5EF4-FFF2-40B4-BE49-F238E27FC236}">
-                  <a16:creationId xmlns:a16="http://schemas.microsoft.com/office/drawing/2014/main" id="{04C900F5-C54F-5CB6-FD02-8CEA2D113E3E}"/>
+                  <a16:creationId xmlns:a16="http://schemas.microsoft.com/office/drawing/2014/main" id="{5576A272-D38F-655B-D5B4-3EDB11F1F5A7}"/>
                 </a:ext>
               </a:extLst>
             </p:cNvPr>
@@ -4642,7 +4736,7 @@
           <p:cNvPr id="10" name="Freeform 8">
             <a:extLst>
               <a:ext uri="{FF2B5EF4-FFF2-40B4-BE49-F238E27FC236}">
-                <a16:creationId xmlns:a16="http://schemas.microsoft.com/office/drawing/2014/main" id="{52854EAB-99FB-CD7A-A9A2-895BD7104D2D}"/>
+                <a16:creationId xmlns:a16="http://schemas.microsoft.com/office/drawing/2014/main" id="{C5CA5124-C10B-9C12-C8C5-24038F64F4E0}"/>
               </a:ext>
             </a:extLst>
           </p:cNvPr>
@@ -4682,10 +4776,10 @@
             </a:pathLst>
           </a:custGeom>
           <a:blipFill>
-            <a:blip r:embed="rId2">
+            <a:blip r:embed="rId3">
               <a:extLst>
                 <a:ext uri="{96DAC541-7B7A-43D3-8B79-37D633B846F1}">
-                  <asvg:svgBlip xmlns:asvg="http://schemas.microsoft.com/office/drawing/2016/SVG/main" r:embed="rId3"/>
+                  <asvg:svgBlip xmlns:asvg="http://schemas.microsoft.com/office/drawing/2016/SVG/main" r:embed="rId4"/>
                 </a:ext>
               </a:extLst>
             </a:blip>
@@ -4707,7 +4801,7 @@
           <p:cNvPr id="11" name="Freeform 9">
             <a:extLst>
               <a:ext uri="{FF2B5EF4-FFF2-40B4-BE49-F238E27FC236}">
-                <a16:creationId xmlns:a16="http://schemas.microsoft.com/office/drawing/2014/main" id="{20E6C535-FDA9-4812-73AF-848AE9C11E67}"/>
+                <a16:creationId xmlns:a16="http://schemas.microsoft.com/office/drawing/2014/main" id="{596E5740-EAB0-C099-D1CB-0E38CF44DA21}"/>
               </a:ext>
             </a:extLst>
           </p:cNvPr>
@@ -4747,10 +4841,10 @@
             </a:pathLst>
           </a:custGeom>
           <a:blipFill>
-            <a:blip r:embed="rId4">
+            <a:blip r:embed="rId5">
               <a:extLst>
                 <a:ext uri="{96DAC541-7B7A-43D3-8B79-37D633B846F1}">
-                  <asvg:svgBlip xmlns:asvg="http://schemas.microsoft.com/office/drawing/2016/SVG/main" r:embed="rId5"/>
+                  <asvg:svgBlip xmlns:asvg="http://schemas.microsoft.com/office/drawing/2016/SVG/main" r:embed="rId6"/>
                 </a:ext>
               </a:extLst>
             </a:blip>
@@ -4772,7 +4866,7 @@
           <p:cNvPr id="12" name="Group 10">
             <a:extLst>
               <a:ext uri="{FF2B5EF4-FFF2-40B4-BE49-F238E27FC236}">
-                <a16:creationId xmlns:a16="http://schemas.microsoft.com/office/drawing/2014/main" id="{567EC8D6-5392-0E54-A360-B3CB2188F534}"/>
+                <a16:creationId xmlns:a16="http://schemas.microsoft.com/office/drawing/2014/main" id="{27F00A55-C9C8-D90A-AE84-293CC0894D18}"/>
               </a:ext>
             </a:extLst>
           </p:cNvPr>
@@ -4792,7 +4886,7 @@
             <p:cNvPr id="13" name="Freeform 11">
               <a:extLst>
                 <a:ext uri="{FF2B5EF4-FFF2-40B4-BE49-F238E27FC236}">
-                  <a16:creationId xmlns:a16="http://schemas.microsoft.com/office/drawing/2014/main" id="{05457C53-D500-475E-0E79-0040B98A6811}"/>
+                  <a16:creationId xmlns:a16="http://schemas.microsoft.com/office/drawing/2014/main" id="{92AD719B-F034-FFAB-578B-E692F5344443}"/>
                 </a:ext>
               </a:extLst>
             </p:cNvPr>
@@ -4895,7 +4989,7 @@
             <p:cNvPr id="14" name="TextBox 12">
               <a:extLst>
                 <a:ext uri="{FF2B5EF4-FFF2-40B4-BE49-F238E27FC236}">
-                  <a16:creationId xmlns:a16="http://schemas.microsoft.com/office/drawing/2014/main" id="{EDB1222E-B488-281F-0973-55BBCC5A558E}"/>
+                  <a16:creationId xmlns:a16="http://schemas.microsoft.com/office/drawing/2014/main" id="{3C874B9F-6AAC-22B1-4BA1-D1A8965987B8}"/>
                 </a:ext>
               </a:extLst>
             </p:cNvPr>
@@ -4933,7 +5027,7 @@
           <p:cNvPr id="15" name="Freeform 13">
             <a:extLst>
               <a:ext uri="{FF2B5EF4-FFF2-40B4-BE49-F238E27FC236}">
-                <a16:creationId xmlns:a16="http://schemas.microsoft.com/office/drawing/2014/main" id="{28323B20-2DB0-EB60-00A4-7FDC8081D736}"/>
+                <a16:creationId xmlns:a16="http://schemas.microsoft.com/office/drawing/2014/main" id="{9BF9106F-AB51-0303-145A-B12988966315}"/>
               </a:ext>
             </a:extLst>
           </p:cNvPr>
@@ -4973,7 +5067,7 @@
             </a:pathLst>
           </a:custGeom>
           <a:blipFill>
-            <a:blip r:embed="rId6"/>
+            <a:blip r:embed="rId7"/>
             <a:stretch>
               <a:fillRect/>
             </a:stretch>
@@ -4992,7 +5086,7 @@
           <p:cNvPr id="16" name="Group 14">
             <a:extLst>
               <a:ext uri="{FF2B5EF4-FFF2-40B4-BE49-F238E27FC236}">
-                <a16:creationId xmlns:a16="http://schemas.microsoft.com/office/drawing/2014/main" id="{10B80251-8F9A-7887-4683-78DE729874EA}"/>
+                <a16:creationId xmlns:a16="http://schemas.microsoft.com/office/drawing/2014/main" id="{4FBFFE8F-465F-C2C5-FB70-1CE254B7BEF9}"/>
               </a:ext>
             </a:extLst>
           </p:cNvPr>
@@ -5012,7 +5106,7 @@
             <p:cNvPr id="17" name="Group 15">
               <a:extLst>
                 <a:ext uri="{FF2B5EF4-FFF2-40B4-BE49-F238E27FC236}">
-                  <a16:creationId xmlns:a16="http://schemas.microsoft.com/office/drawing/2014/main" id="{C780C80A-EF8E-8CDB-F5AA-13C97DC012DC}"/>
+                  <a16:creationId xmlns:a16="http://schemas.microsoft.com/office/drawing/2014/main" id="{5F51D51C-9E60-E79D-98BF-BD76F11BF3AB}"/>
                 </a:ext>
               </a:extLst>
             </p:cNvPr>
@@ -5032,7 +5126,7 @@
               <p:cNvPr id="21" name="Freeform 16">
                 <a:extLst>
                   <a:ext uri="{FF2B5EF4-FFF2-40B4-BE49-F238E27FC236}">
-                    <a16:creationId xmlns:a16="http://schemas.microsoft.com/office/drawing/2014/main" id="{D476436E-B4DC-5BB5-6461-2A3CA4DB419D}"/>
+                    <a16:creationId xmlns:a16="http://schemas.microsoft.com/office/drawing/2014/main" id="{927445BF-A1AC-6778-EC92-D963130373F3}"/>
                   </a:ext>
                 </a:extLst>
               </p:cNvPr>
@@ -5135,7 +5229,7 @@
               <p:cNvPr id="22" name="TextBox 17">
                 <a:extLst>
                   <a:ext uri="{FF2B5EF4-FFF2-40B4-BE49-F238E27FC236}">
-                    <a16:creationId xmlns:a16="http://schemas.microsoft.com/office/drawing/2014/main" id="{3517E807-EF43-F6B6-946E-CCB7993C2416}"/>
+                    <a16:creationId xmlns:a16="http://schemas.microsoft.com/office/drawing/2014/main" id="{622FB599-4261-C909-CA1E-B49251FA200F}"/>
                   </a:ext>
                 </a:extLst>
               </p:cNvPr>
@@ -5173,7 +5267,7 @@
             <p:cNvPr id="18" name="Picture 18">
               <a:extLst>
                 <a:ext uri="{FF2B5EF4-FFF2-40B4-BE49-F238E27FC236}">
-                  <a16:creationId xmlns:a16="http://schemas.microsoft.com/office/drawing/2014/main" id="{AEF146A7-0794-A070-C77C-FC4581C92840}"/>
+                  <a16:creationId xmlns:a16="http://schemas.microsoft.com/office/drawing/2014/main" id="{A7A24134-A9D8-FA16-9C6D-E9B6B3632385}"/>
                 </a:ext>
               </a:extLst>
             </p:cNvPr>
@@ -5183,7 +5277,7 @@
             <p:nvPr/>
           </p:nvPicPr>
           <p:blipFill>
-            <a:blip r:embed="rId7"/>
+            <a:blip r:embed="rId8"/>
             <a:srcRect/>
             <a:stretch>
               <a:fillRect/>
@@ -5204,7 +5298,7 @@
             <p:cNvPr id="19" name="Picture 19">
               <a:extLst>
                 <a:ext uri="{FF2B5EF4-FFF2-40B4-BE49-F238E27FC236}">
-                  <a16:creationId xmlns:a16="http://schemas.microsoft.com/office/drawing/2014/main" id="{08A69BC0-E11E-2373-E4FF-59B07ABF977C}"/>
+                  <a16:creationId xmlns:a16="http://schemas.microsoft.com/office/drawing/2014/main" id="{6DA53876-0BAE-C176-F9B2-5C38EA1FE2C0}"/>
                 </a:ext>
               </a:extLst>
             </p:cNvPr>
@@ -5214,7 +5308,7 @@
             <p:nvPr/>
           </p:nvPicPr>
           <p:blipFill>
-            <a:blip r:embed="rId7"/>
+            <a:blip r:embed="rId8"/>
             <a:srcRect/>
             <a:stretch>
               <a:fillRect/>
@@ -5235,7 +5329,7 @@
             <p:cNvPr id="20" name="TextBox 20">
               <a:extLst>
                 <a:ext uri="{FF2B5EF4-FFF2-40B4-BE49-F238E27FC236}">
-                  <a16:creationId xmlns:a16="http://schemas.microsoft.com/office/drawing/2014/main" id="{85BC5F45-CB89-3B56-6662-04EEE692ADD9}"/>
+                  <a16:creationId xmlns:a16="http://schemas.microsoft.com/office/drawing/2014/main" id="{BD16516F-26AC-B0CB-7191-699CEBDBF60D}"/>
                 </a:ext>
               </a:extLst>
             </p:cNvPr>
@@ -5286,7 +5380,7 @@
           <p:cNvPr id="23" name="TextBox 22">
             <a:extLst>
               <a:ext uri="{FF2B5EF4-FFF2-40B4-BE49-F238E27FC236}">
-                <a16:creationId xmlns:a16="http://schemas.microsoft.com/office/drawing/2014/main" id="{C2839CF6-C5AE-FCDF-45DE-CEA36E786D4E}"/>
+                <a16:creationId xmlns:a16="http://schemas.microsoft.com/office/drawing/2014/main" id="{D0C8823B-54F4-6C59-6819-F214C7409406}"/>
               </a:ext>
             </a:extLst>
           </p:cNvPr>
@@ -5336,7 +5430,7 @@
           <p:cNvPr id="24" name="TextBox 23">
             <a:extLst>
               <a:ext uri="{FF2B5EF4-FFF2-40B4-BE49-F238E27FC236}">
-                <a16:creationId xmlns:a16="http://schemas.microsoft.com/office/drawing/2014/main" id="{04112996-5673-DBFA-2AD1-DCAC3ECD28C7}"/>
+                <a16:creationId xmlns:a16="http://schemas.microsoft.com/office/drawing/2014/main" id="{1641449D-37FF-0A0F-E89F-384D26D9EFE0}"/>
               </a:ext>
             </a:extLst>
           </p:cNvPr>
@@ -5386,7 +5480,7 @@
           <p:cNvPr id="25" name="TextBox 24">
             <a:extLst>
               <a:ext uri="{FF2B5EF4-FFF2-40B4-BE49-F238E27FC236}">
-                <a16:creationId xmlns:a16="http://schemas.microsoft.com/office/drawing/2014/main" id="{E5BB87DD-B998-5433-637F-586C81A86CE8}"/>
+                <a16:creationId xmlns:a16="http://schemas.microsoft.com/office/drawing/2014/main" id="{544691C0-24C3-5CCA-2099-90DBD6677E14}"/>
               </a:ext>
             </a:extLst>
           </p:cNvPr>
@@ -5436,7 +5530,7 @@
           <p:cNvPr id="26" name="TextBox 25">
             <a:extLst>
               <a:ext uri="{FF2B5EF4-FFF2-40B4-BE49-F238E27FC236}">
-                <a16:creationId xmlns:a16="http://schemas.microsoft.com/office/drawing/2014/main" id="{D0B542FD-8110-8EF4-77D7-71326FDC0C09}"/>
+                <a16:creationId xmlns:a16="http://schemas.microsoft.com/office/drawing/2014/main" id="{F86819EB-5A8A-C437-583F-EBDC647CE436}"/>
               </a:ext>
             </a:extLst>
           </p:cNvPr>
@@ -5486,7 +5580,7 @@
           <p:cNvPr id="33" name="Title 1">
             <a:extLst>
               <a:ext uri="{FF2B5EF4-FFF2-40B4-BE49-F238E27FC236}">
-                <a16:creationId xmlns:a16="http://schemas.microsoft.com/office/drawing/2014/main" id="{7F816467-BFB7-597B-AC99-6ABD5BA8A01F}"/>
+                <a16:creationId xmlns:a16="http://schemas.microsoft.com/office/drawing/2014/main" id="{0B5F19AF-8916-E5FB-F540-AF80CCF9A925}"/>
               </a:ext>
             </a:extLst>
           </p:cNvPr>
@@ -5516,7 +5610,7 @@
           <p:cNvPr id="34" name="Content Placeholder 2">
             <a:extLst>
               <a:ext uri="{FF2B5EF4-FFF2-40B4-BE49-F238E27FC236}">
-                <a16:creationId xmlns:a16="http://schemas.microsoft.com/office/drawing/2014/main" id="{1E86D0EF-D4FD-1A9F-4DCD-F990093E71DA}"/>
+                <a16:creationId xmlns:a16="http://schemas.microsoft.com/office/drawing/2014/main" id="{BDF6C2F2-32CD-75ED-516F-51EB04A8D569}"/>
               </a:ext>
             </a:extLst>
           </p:cNvPr>
@@ -5544,7 +5638,7 @@
     </p:spTree>
     <p:extLst>
       <p:ext uri="{BB962C8B-B14F-4D97-AF65-F5344CB8AC3E}">
-        <p14:creationId xmlns:p14="http://schemas.microsoft.com/office/powerpoint/2010/main" val="3720980292"/>
+        <p14:creationId xmlns:p14="http://schemas.microsoft.com/office/powerpoint/2010/main" val="2148022317"/>
       </p:ext>
     </p:extLst>
   </p:cSld>
@@ -5562,7 +5656,7 @@
         <p:cNvPr id="1" name="">
           <a:extLst>
             <a:ext uri="{FF2B5EF4-FFF2-40B4-BE49-F238E27FC236}">
-              <a16:creationId xmlns:a16="http://schemas.microsoft.com/office/drawing/2014/main" id="{335D77DF-261D-BDAD-A26D-D12168202B91}"/>
+              <a16:creationId xmlns:a16="http://schemas.microsoft.com/office/drawing/2014/main" id="{6C481D3F-65C4-F052-086F-F176F593FA15}"/>
             </a:ext>
           </a:extLst>
         </p:cNvPr>
@@ -5577,12 +5671,59 @@
           <a:chExt cx="0" cy="0"/>
         </a:xfrm>
       </p:grpSpPr>
+      <p:pic>
+        <p:nvPicPr>
+          <p:cNvPr id="1026" name="Picture 2">
+            <a:extLst>
+              <a:ext uri="{FF2B5EF4-FFF2-40B4-BE49-F238E27FC236}">
+                <a16:creationId xmlns:a16="http://schemas.microsoft.com/office/drawing/2014/main" id="{2A3FE538-1120-366B-D36C-E5255981CE4D}"/>
+              </a:ext>
+            </a:extLst>
+          </p:cNvPr>
+          <p:cNvPicPr>
+            <a:picLocks noChangeAspect="1" noChangeArrowheads="1"/>
+          </p:cNvPicPr>
+          <p:nvPr/>
+        </p:nvPicPr>
+        <p:blipFill>
+          <a:blip r:embed="rId2">
+            <a:extLst>
+              <a:ext uri="{28A0092B-C50C-407E-A947-70E740481C1C}">
+                <a14:useLocalDpi xmlns:a14="http://schemas.microsoft.com/office/drawing/2010/main" val="0"/>
+              </a:ext>
+            </a:extLst>
+          </a:blip>
+          <a:srcRect/>
+          <a:stretch>
+            <a:fillRect/>
+          </a:stretch>
+        </p:blipFill>
+        <p:spPr bwMode="auto">
+          <a:xfrm>
+            <a:off x="-152400" y="-127524"/>
+            <a:ext cx="19283679" cy="10757424"/>
+          </a:xfrm>
+          <a:prstGeom prst="rect">
+            <a:avLst/>
+          </a:prstGeom>
+          <a:noFill/>
+          <a:extLst>
+            <a:ext uri="{909E8E84-426E-40DD-AFC4-6F175D3DCCD1}">
+              <a14:hiddenFill xmlns:a14="http://schemas.microsoft.com/office/drawing/2010/main">
+                <a:solidFill>
+                  <a:srgbClr val="FFFFFF"/>
+                </a:solidFill>
+              </a14:hiddenFill>
+            </a:ext>
+          </a:extLst>
+        </p:spPr>
+      </p:pic>
       <p:grpSp>
         <p:nvGrpSpPr>
           <p:cNvPr id="4" name="Group 2">
             <a:extLst>
               <a:ext uri="{FF2B5EF4-FFF2-40B4-BE49-F238E27FC236}">
-                <a16:creationId xmlns:a16="http://schemas.microsoft.com/office/drawing/2014/main" id="{90DFFAA2-0267-0808-CE72-2D0051C3A2D7}"/>
+                <a16:creationId xmlns:a16="http://schemas.microsoft.com/office/drawing/2014/main" id="{563EDE78-6D8A-0931-8E9F-719DCBF6AF80}"/>
               </a:ext>
             </a:extLst>
           </p:cNvPr>
@@ -5602,7 +5743,7 @@
             <p:cNvPr id="5" name="Freeform 3">
               <a:extLst>
                 <a:ext uri="{FF2B5EF4-FFF2-40B4-BE49-F238E27FC236}">
-                  <a16:creationId xmlns:a16="http://schemas.microsoft.com/office/drawing/2014/main" id="{006CD5B3-0FED-B186-24F0-6C0D3354730C}"/>
+                  <a16:creationId xmlns:a16="http://schemas.microsoft.com/office/drawing/2014/main" id="{0937816A-15D8-A9BA-DD1C-8A70EC674FCA}"/>
                 </a:ext>
               </a:extLst>
             </p:cNvPr>
@@ -5710,7 +5851,7 @@
             <p:cNvPr id="6" name="TextBox 4">
               <a:extLst>
                 <a:ext uri="{FF2B5EF4-FFF2-40B4-BE49-F238E27FC236}">
-                  <a16:creationId xmlns:a16="http://schemas.microsoft.com/office/drawing/2014/main" id="{99732BDD-6EF5-4D0D-7B86-C529683A69C3}"/>
+                  <a16:creationId xmlns:a16="http://schemas.microsoft.com/office/drawing/2014/main" id="{D4BFC3D6-B216-1F48-7483-77A0B69CDC06}"/>
                 </a:ext>
               </a:extLst>
             </p:cNvPr>
@@ -5748,7 +5889,7 @@
           <p:cNvPr id="7" name="Group 5">
             <a:extLst>
               <a:ext uri="{FF2B5EF4-FFF2-40B4-BE49-F238E27FC236}">
-                <a16:creationId xmlns:a16="http://schemas.microsoft.com/office/drawing/2014/main" id="{FF311F42-4494-BC55-07EE-CDCA7C25FDF4}"/>
+                <a16:creationId xmlns:a16="http://schemas.microsoft.com/office/drawing/2014/main" id="{C92992C0-4075-F29B-058B-8AA71C60D87D}"/>
               </a:ext>
             </a:extLst>
           </p:cNvPr>
@@ -5768,7 +5909,7 @@
             <p:cNvPr id="8" name="Freeform 6">
               <a:extLst>
                 <a:ext uri="{FF2B5EF4-FFF2-40B4-BE49-F238E27FC236}">
-                  <a16:creationId xmlns:a16="http://schemas.microsoft.com/office/drawing/2014/main" id="{0ED2745A-CA99-7D20-5C5F-6174AD4913DD}"/>
+                  <a16:creationId xmlns:a16="http://schemas.microsoft.com/office/drawing/2014/main" id="{945983C5-5005-988C-3490-3B068C71DD6B}"/>
                 </a:ext>
               </a:extLst>
             </p:cNvPr>
@@ -5856,7 +5997,7 @@
             <p:cNvPr id="9" name="TextBox 7">
               <a:extLst>
                 <a:ext uri="{FF2B5EF4-FFF2-40B4-BE49-F238E27FC236}">
-                  <a16:creationId xmlns:a16="http://schemas.microsoft.com/office/drawing/2014/main" id="{AE6D3A00-B4C6-4198-4FC9-D36B48113E43}"/>
+                  <a16:creationId xmlns:a16="http://schemas.microsoft.com/office/drawing/2014/main" id="{2A9B8C86-FD26-E1F5-2F5E-F7B1036CCD31}"/>
                 </a:ext>
               </a:extLst>
             </p:cNvPr>
@@ -5894,7 +6035,7 @@
           <p:cNvPr id="10" name="Freeform 8">
             <a:extLst>
               <a:ext uri="{FF2B5EF4-FFF2-40B4-BE49-F238E27FC236}">
-                <a16:creationId xmlns:a16="http://schemas.microsoft.com/office/drawing/2014/main" id="{E6B033DB-70C0-EE61-4A9A-BCBF5D13444F}"/>
+                <a16:creationId xmlns:a16="http://schemas.microsoft.com/office/drawing/2014/main" id="{C6EB3C0F-A26D-B956-A894-83C65C10CF78}"/>
               </a:ext>
             </a:extLst>
           </p:cNvPr>
@@ -5934,10 +6075,10 @@
             </a:pathLst>
           </a:custGeom>
           <a:blipFill>
-            <a:blip r:embed="rId2">
+            <a:blip r:embed="rId3">
               <a:extLst>
                 <a:ext uri="{96DAC541-7B7A-43D3-8B79-37D633B846F1}">
-                  <asvg:svgBlip xmlns:asvg="http://schemas.microsoft.com/office/drawing/2016/SVG/main" r:embed="rId3"/>
+                  <asvg:svgBlip xmlns:asvg="http://schemas.microsoft.com/office/drawing/2016/SVG/main" r:embed="rId4"/>
                 </a:ext>
               </a:extLst>
             </a:blip>
@@ -5959,7 +6100,7 @@
           <p:cNvPr id="11" name="Freeform 9">
             <a:extLst>
               <a:ext uri="{FF2B5EF4-FFF2-40B4-BE49-F238E27FC236}">
-                <a16:creationId xmlns:a16="http://schemas.microsoft.com/office/drawing/2014/main" id="{33413931-CF24-0017-3093-60A97500B8A5}"/>
+                <a16:creationId xmlns:a16="http://schemas.microsoft.com/office/drawing/2014/main" id="{4D313DFA-A92F-59E7-1403-AF839955A1B9}"/>
               </a:ext>
             </a:extLst>
           </p:cNvPr>
@@ -5999,10 +6140,10 @@
             </a:pathLst>
           </a:custGeom>
           <a:blipFill>
-            <a:blip r:embed="rId4">
+            <a:blip r:embed="rId5">
               <a:extLst>
                 <a:ext uri="{96DAC541-7B7A-43D3-8B79-37D633B846F1}">
-                  <asvg:svgBlip xmlns:asvg="http://schemas.microsoft.com/office/drawing/2016/SVG/main" r:embed="rId5"/>
+                  <asvg:svgBlip xmlns:asvg="http://schemas.microsoft.com/office/drawing/2016/SVG/main" r:embed="rId6"/>
                 </a:ext>
               </a:extLst>
             </a:blip>
@@ -6024,7 +6165,7 @@
           <p:cNvPr id="12" name="Group 10">
             <a:extLst>
               <a:ext uri="{FF2B5EF4-FFF2-40B4-BE49-F238E27FC236}">
-                <a16:creationId xmlns:a16="http://schemas.microsoft.com/office/drawing/2014/main" id="{DDB1D233-D7FD-B384-7C69-1249E7632390}"/>
+                <a16:creationId xmlns:a16="http://schemas.microsoft.com/office/drawing/2014/main" id="{42E414B0-674E-F552-5F43-87413341989F}"/>
               </a:ext>
             </a:extLst>
           </p:cNvPr>
@@ -6044,7 +6185,7 @@
             <p:cNvPr id="13" name="Freeform 11">
               <a:extLst>
                 <a:ext uri="{FF2B5EF4-FFF2-40B4-BE49-F238E27FC236}">
-                  <a16:creationId xmlns:a16="http://schemas.microsoft.com/office/drawing/2014/main" id="{4070FB1F-EB49-7138-BE8B-F342571F0034}"/>
+                  <a16:creationId xmlns:a16="http://schemas.microsoft.com/office/drawing/2014/main" id="{CD7327CE-71AC-4AAB-A0DA-9AE08A9E6D28}"/>
                 </a:ext>
               </a:extLst>
             </p:cNvPr>
@@ -6147,7 +6288,7 @@
             <p:cNvPr id="14" name="TextBox 12">
               <a:extLst>
                 <a:ext uri="{FF2B5EF4-FFF2-40B4-BE49-F238E27FC236}">
-                  <a16:creationId xmlns:a16="http://schemas.microsoft.com/office/drawing/2014/main" id="{9CD42874-353D-CC9E-A552-F10278493D53}"/>
+                  <a16:creationId xmlns:a16="http://schemas.microsoft.com/office/drawing/2014/main" id="{176BD239-E169-9B48-9EBB-C114D31C42CD}"/>
                 </a:ext>
               </a:extLst>
             </p:cNvPr>
@@ -6185,7 +6326,7 @@
           <p:cNvPr id="15" name="Freeform 13">
             <a:extLst>
               <a:ext uri="{FF2B5EF4-FFF2-40B4-BE49-F238E27FC236}">
-                <a16:creationId xmlns:a16="http://schemas.microsoft.com/office/drawing/2014/main" id="{DED43E95-ACD7-DFA9-4063-2B1D4B0D923A}"/>
+                <a16:creationId xmlns:a16="http://schemas.microsoft.com/office/drawing/2014/main" id="{067CDE3A-628B-F3E8-9269-D6F6694B6A03}"/>
               </a:ext>
             </a:extLst>
           </p:cNvPr>
@@ -6225,7 +6366,7 @@
             </a:pathLst>
           </a:custGeom>
           <a:blipFill>
-            <a:blip r:embed="rId6"/>
+            <a:blip r:embed="rId7"/>
             <a:stretch>
               <a:fillRect/>
             </a:stretch>
@@ -6244,7 +6385,7 @@
           <p:cNvPr id="16" name="Group 14">
             <a:extLst>
               <a:ext uri="{FF2B5EF4-FFF2-40B4-BE49-F238E27FC236}">
-                <a16:creationId xmlns:a16="http://schemas.microsoft.com/office/drawing/2014/main" id="{D8F85651-1583-FEB5-E292-DFD904FC35ED}"/>
+                <a16:creationId xmlns:a16="http://schemas.microsoft.com/office/drawing/2014/main" id="{A0AC44F6-0EC9-F58D-3C29-79EA2FBB0D34}"/>
               </a:ext>
             </a:extLst>
           </p:cNvPr>
@@ -6264,7 +6405,7 @@
             <p:cNvPr id="17" name="Group 15">
               <a:extLst>
                 <a:ext uri="{FF2B5EF4-FFF2-40B4-BE49-F238E27FC236}">
-                  <a16:creationId xmlns:a16="http://schemas.microsoft.com/office/drawing/2014/main" id="{DA0E1CF7-8E99-7444-CA0C-7295E637156D}"/>
+                  <a16:creationId xmlns:a16="http://schemas.microsoft.com/office/drawing/2014/main" id="{BB28C916-B2C5-A67E-43F6-A2AA0A539218}"/>
                 </a:ext>
               </a:extLst>
             </p:cNvPr>
@@ -6284,7 +6425,7 @@
               <p:cNvPr id="21" name="Freeform 16">
                 <a:extLst>
                   <a:ext uri="{FF2B5EF4-FFF2-40B4-BE49-F238E27FC236}">
-                    <a16:creationId xmlns:a16="http://schemas.microsoft.com/office/drawing/2014/main" id="{6D1BF37B-8182-5061-6C2B-37889C573365}"/>
+                    <a16:creationId xmlns:a16="http://schemas.microsoft.com/office/drawing/2014/main" id="{B6620642-6962-7CC9-58D0-AD43F2419CA5}"/>
                   </a:ext>
                 </a:extLst>
               </p:cNvPr>
@@ -6387,7 +6528,7 @@
               <p:cNvPr id="22" name="TextBox 17">
                 <a:extLst>
                   <a:ext uri="{FF2B5EF4-FFF2-40B4-BE49-F238E27FC236}">
-                    <a16:creationId xmlns:a16="http://schemas.microsoft.com/office/drawing/2014/main" id="{E0896097-DBA9-63F8-5E93-C20AB3B03B54}"/>
+                    <a16:creationId xmlns:a16="http://schemas.microsoft.com/office/drawing/2014/main" id="{5582A4FC-7FDF-5F3E-945A-FC5FC1244272}"/>
                   </a:ext>
                 </a:extLst>
               </p:cNvPr>
@@ -6425,7 +6566,7 @@
             <p:cNvPr id="18" name="Picture 18">
               <a:extLst>
                 <a:ext uri="{FF2B5EF4-FFF2-40B4-BE49-F238E27FC236}">
-                  <a16:creationId xmlns:a16="http://schemas.microsoft.com/office/drawing/2014/main" id="{64A46AEA-BEC0-576B-BC60-D6CFBA25C3EB}"/>
+                  <a16:creationId xmlns:a16="http://schemas.microsoft.com/office/drawing/2014/main" id="{5140B7D0-2633-657A-EC2D-ED3314EB566D}"/>
                 </a:ext>
               </a:extLst>
             </p:cNvPr>
@@ -6435,7 +6576,7 @@
             <p:nvPr/>
           </p:nvPicPr>
           <p:blipFill>
-            <a:blip r:embed="rId7"/>
+            <a:blip r:embed="rId8"/>
             <a:srcRect/>
             <a:stretch>
               <a:fillRect/>
@@ -6456,7 +6597,7 @@
             <p:cNvPr id="19" name="Picture 19">
               <a:extLst>
                 <a:ext uri="{FF2B5EF4-FFF2-40B4-BE49-F238E27FC236}">
-                  <a16:creationId xmlns:a16="http://schemas.microsoft.com/office/drawing/2014/main" id="{179496D2-F808-B59E-CF2A-C1393CDB34EF}"/>
+                  <a16:creationId xmlns:a16="http://schemas.microsoft.com/office/drawing/2014/main" id="{70B34324-8E5D-697B-31CD-FE750DFE0191}"/>
                 </a:ext>
               </a:extLst>
             </p:cNvPr>
@@ -6466,7 +6607,7 @@
             <p:nvPr/>
           </p:nvPicPr>
           <p:blipFill>
-            <a:blip r:embed="rId7"/>
+            <a:blip r:embed="rId8"/>
             <a:srcRect/>
             <a:stretch>
               <a:fillRect/>
@@ -6487,7 +6628,7 @@
             <p:cNvPr id="20" name="TextBox 20">
               <a:extLst>
                 <a:ext uri="{FF2B5EF4-FFF2-40B4-BE49-F238E27FC236}">
-                  <a16:creationId xmlns:a16="http://schemas.microsoft.com/office/drawing/2014/main" id="{0EC46DF1-9F0D-FBD7-895D-64A74642425B}"/>
+                  <a16:creationId xmlns:a16="http://schemas.microsoft.com/office/drawing/2014/main" id="{C0D2A962-2BA3-4C67-8903-2EF258E2FAFB}"/>
                 </a:ext>
               </a:extLst>
             </p:cNvPr>
@@ -6538,7 +6679,7 @@
           <p:cNvPr id="23" name="TextBox 22">
             <a:extLst>
               <a:ext uri="{FF2B5EF4-FFF2-40B4-BE49-F238E27FC236}">
-                <a16:creationId xmlns:a16="http://schemas.microsoft.com/office/drawing/2014/main" id="{63F59E66-EDE1-CDC8-31D9-882EE5499B1B}"/>
+                <a16:creationId xmlns:a16="http://schemas.microsoft.com/office/drawing/2014/main" id="{CA0751F9-9FCF-D04D-3EBE-B8D91D855474}"/>
               </a:ext>
             </a:extLst>
           </p:cNvPr>
@@ -6588,7 +6729,7 @@
           <p:cNvPr id="24" name="TextBox 23">
             <a:extLst>
               <a:ext uri="{FF2B5EF4-FFF2-40B4-BE49-F238E27FC236}">
-                <a16:creationId xmlns:a16="http://schemas.microsoft.com/office/drawing/2014/main" id="{0A3D3CF4-6CE6-681F-E83E-3D61770416FF}"/>
+                <a16:creationId xmlns:a16="http://schemas.microsoft.com/office/drawing/2014/main" id="{E5D3F895-3DD7-A106-E88B-119157766A99}"/>
               </a:ext>
             </a:extLst>
           </p:cNvPr>
@@ -6638,7 +6779,7 @@
           <p:cNvPr id="25" name="TextBox 24">
             <a:extLst>
               <a:ext uri="{FF2B5EF4-FFF2-40B4-BE49-F238E27FC236}">
-                <a16:creationId xmlns:a16="http://schemas.microsoft.com/office/drawing/2014/main" id="{F65A35B5-E32B-2EFE-91B7-0B6BF143D76C}"/>
+                <a16:creationId xmlns:a16="http://schemas.microsoft.com/office/drawing/2014/main" id="{E625ABE5-3DD7-FEF3-AA5A-B4F299FD686E}"/>
               </a:ext>
             </a:extLst>
           </p:cNvPr>
@@ -6688,7 +6829,7 @@
           <p:cNvPr id="26" name="TextBox 25">
             <a:extLst>
               <a:ext uri="{FF2B5EF4-FFF2-40B4-BE49-F238E27FC236}">
-                <a16:creationId xmlns:a16="http://schemas.microsoft.com/office/drawing/2014/main" id="{1241B7EA-900D-6E9D-A8A7-3BBD73938877}"/>
+                <a16:creationId xmlns:a16="http://schemas.microsoft.com/office/drawing/2014/main" id="{1AD3F759-DB39-2CE4-4E7A-DEAD41D5ACE3}"/>
               </a:ext>
             </a:extLst>
           </p:cNvPr>
@@ -6738,7 +6879,7 @@
           <p:cNvPr id="33" name="Title 1">
             <a:extLst>
               <a:ext uri="{FF2B5EF4-FFF2-40B4-BE49-F238E27FC236}">
-                <a16:creationId xmlns:a16="http://schemas.microsoft.com/office/drawing/2014/main" id="{6558ED2A-1A6C-30D9-FE11-B0FF76850B72}"/>
+                <a16:creationId xmlns:a16="http://schemas.microsoft.com/office/drawing/2014/main" id="{96D2A81C-4E13-99C6-455C-CB9AA0D10313}"/>
               </a:ext>
             </a:extLst>
           </p:cNvPr>
@@ -6768,7 +6909,7 @@
           <p:cNvPr id="34" name="Content Placeholder 2">
             <a:extLst>
               <a:ext uri="{FF2B5EF4-FFF2-40B4-BE49-F238E27FC236}">
-                <a16:creationId xmlns:a16="http://schemas.microsoft.com/office/drawing/2014/main" id="{007CF4B8-BDD7-487C-79A6-A5CA8B7390A5}"/>
+                <a16:creationId xmlns:a16="http://schemas.microsoft.com/office/drawing/2014/main" id="{E82EFFE4-1EDE-35A0-1C1B-7A924E7470E6}"/>
               </a:ext>
             </a:extLst>
           </p:cNvPr>
@@ -6796,7 +6937,7 @@
     </p:spTree>
     <p:extLst>
       <p:ext uri="{BB962C8B-B14F-4D97-AF65-F5344CB8AC3E}">
-        <p14:creationId xmlns:p14="http://schemas.microsoft.com/office/powerpoint/2010/main" val="1767877552"/>
+        <p14:creationId xmlns:p14="http://schemas.microsoft.com/office/powerpoint/2010/main" val="2024115466"/>
       </p:ext>
     </p:extLst>
   </p:cSld>
@@ -6814,7 +6955,7 @@
         <p:cNvPr id="1" name="">
           <a:extLst>
             <a:ext uri="{FF2B5EF4-FFF2-40B4-BE49-F238E27FC236}">
-              <a16:creationId xmlns:a16="http://schemas.microsoft.com/office/drawing/2014/main" id="{63C0D61F-2B64-CDCD-C2D2-3635999764AD}"/>
+              <a16:creationId xmlns:a16="http://schemas.microsoft.com/office/drawing/2014/main" id="{51F79D4A-8403-4CC8-5D1F-22618CB6F8AB}"/>
             </a:ext>
           </a:extLst>
         </p:cNvPr>
@@ -6829,12 +6970,59 @@
           <a:chExt cx="0" cy="0"/>
         </a:xfrm>
       </p:grpSpPr>
+      <p:pic>
+        <p:nvPicPr>
+          <p:cNvPr id="1026" name="Picture 2">
+            <a:extLst>
+              <a:ext uri="{FF2B5EF4-FFF2-40B4-BE49-F238E27FC236}">
+                <a16:creationId xmlns:a16="http://schemas.microsoft.com/office/drawing/2014/main" id="{6190D23F-687E-CFEE-6DB4-2FC9C803ECAA}"/>
+              </a:ext>
+            </a:extLst>
+          </p:cNvPr>
+          <p:cNvPicPr>
+            <a:picLocks noChangeAspect="1" noChangeArrowheads="1"/>
+          </p:cNvPicPr>
+          <p:nvPr/>
+        </p:nvPicPr>
+        <p:blipFill>
+          <a:blip r:embed="rId2">
+            <a:extLst>
+              <a:ext uri="{28A0092B-C50C-407E-A947-70E740481C1C}">
+                <a14:useLocalDpi xmlns:a14="http://schemas.microsoft.com/office/drawing/2010/main" val="0"/>
+              </a:ext>
+            </a:extLst>
+          </a:blip>
+          <a:srcRect/>
+          <a:stretch>
+            <a:fillRect/>
+          </a:stretch>
+        </p:blipFill>
+        <p:spPr bwMode="auto">
+          <a:xfrm>
+            <a:off x="-152400" y="-127524"/>
+            <a:ext cx="19283679" cy="10757424"/>
+          </a:xfrm>
+          <a:prstGeom prst="rect">
+            <a:avLst/>
+          </a:prstGeom>
+          <a:noFill/>
+          <a:extLst>
+            <a:ext uri="{909E8E84-426E-40DD-AFC4-6F175D3DCCD1}">
+              <a14:hiddenFill xmlns:a14="http://schemas.microsoft.com/office/drawing/2010/main">
+                <a:solidFill>
+                  <a:srgbClr val="FFFFFF"/>
+                </a:solidFill>
+              </a14:hiddenFill>
+            </a:ext>
+          </a:extLst>
+        </p:spPr>
+      </p:pic>
       <p:grpSp>
         <p:nvGrpSpPr>
           <p:cNvPr id="4" name="Group 2">
             <a:extLst>
               <a:ext uri="{FF2B5EF4-FFF2-40B4-BE49-F238E27FC236}">
-                <a16:creationId xmlns:a16="http://schemas.microsoft.com/office/drawing/2014/main" id="{AFC394A7-3680-7867-5CDE-282454B5AC47}"/>
+                <a16:creationId xmlns:a16="http://schemas.microsoft.com/office/drawing/2014/main" id="{2A8BBBB9-F1F6-CAA2-42FC-BCF41C7FEE15}"/>
               </a:ext>
             </a:extLst>
           </p:cNvPr>
@@ -6854,7 +7042,7 @@
             <p:cNvPr id="5" name="Freeform 3">
               <a:extLst>
                 <a:ext uri="{FF2B5EF4-FFF2-40B4-BE49-F238E27FC236}">
-                  <a16:creationId xmlns:a16="http://schemas.microsoft.com/office/drawing/2014/main" id="{0AD0AB8D-BD4A-E841-D5E3-1CE1BC3C55DB}"/>
+                  <a16:creationId xmlns:a16="http://schemas.microsoft.com/office/drawing/2014/main" id="{0AED4995-8871-E4D4-5C79-8E07851953A7}"/>
                 </a:ext>
               </a:extLst>
             </p:cNvPr>
@@ -6962,7 +7150,7 @@
             <p:cNvPr id="6" name="TextBox 4">
               <a:extLst>
                 <a:ext uri="{FF2B5EF4-FFF2-40B4-BE49-F238E27FC236}">
-                  <a16:creationId xmlns:a16="http://schemas.microsoft.com/office/drawing/2014/main" id="{4662B7D9-9251-2895-34F8-27DC4C2395B3}"/>
+                  <a16:creationId xmlns:a16="http://schemas.microsoft.com/office/drawing/2014/main" id="{85857727-AC0E-A01F-7F8A-520883438DF6}"/>
                 </a:ext>
               </a:extLst>
             </p:cNvPr>
@@ -7000,7 +7188,7 @@
           <p:cNvPr id="7" name="Group 5">
             <a:extLst>
               <a:ext uri="{FF2B5EF4-FFF2-40B4-BE49-F238E27FC236}">
-                <a16:creationId xmlns:a16="http://schemas.microsoft.com/office/drawing/2014/main" id="{FDA41CF3-AD15-39D1-B485-BFEA9CA7B817}"/>
+                <a16:creationId xmlns:a16="http://schemas.microsoft.com/office/drawing/2014/main" id="{59707014-15DB-D010-3112-F506C6F2E217}"/>
               </a:ext>
             </a:extLst>
           </p:cNvPr>
@@ -7020,7 +7208,7 @@
             <p:cNvPr id="8" name="Freeform 6">
               <a:extLst>
                 <a:ext uri="{FF2B5EF4-FFF2-40B4-BE49-F238E27FC236}">
-                  <a16:creationId xmlns:a16="http://schemas.microsoft.com/office/drawing/2014/main" id="{BA011812-F556-CF4C-699D-345193722776}"/>
+                  <a16:creationId xmlns:a16="http://schemas.microsoft.com/office/drawing/2014/main" id="{8DA77C71-07A6-990F-59DB-BAD84AF266FD}"/>
                 </a:ext>
               </a:extLst>
             </p:cNvPr>
@@ -7108,7 +7296,7 @@
             <p:cNvPr id="9" name="TextBox 7">
               <a:extLst>
                 <a:ext uri="{FF2B5EF4-FFF2-40B4-BE49-F238E27FC236}">
-                  <a16:creationId xmlns:a16="http://schemas.microsoft.com/office/drawing/2014/main" id="{19D3A648-3166-2FF6-9367-D0A1AA1483B7}"/>
+                  <a16:creationId xmlns:a16="http://schemas.microsoft.com/office/drawing/2014/main" id="{12E3A659-00E0-948A-1B3F-B0524F256620}"/>
                 </a:ext>
               </a:extLst>
             </p:cNvPr>
@@ -7146,7 +7334,7 @@
           <p:cNvPr id="10" name="Freeform 8">
             <a:extLst>
               <a:ext uri="{FF2B5EF4-FFF2-40B4-BE49-F238E27FC236}">
-                <a16:creationId xmlns:a16="http://schemas.microsoft.com/office/drawing/2014/main" id="{EF131600-E51B-E75F-5E42-A34D8943838C}"/>
+                <a16:creationId xmlns:a16="http://schemas.microsoft.com/office/drawing/2014/main" id="{4B91854F-5BBC-392A-ADBE-FD12AEE3F75C}"/>
               </a:ext>
             </a:extLst>
           </p:cNvPr>
@@ -7186,10 +7374,10 @@
             </a:pathLst>
           </a:custGeom>
           <a:blipFill>
-            <a:blip r:embed="rId2">
+            <a:blip r:embed="rId3">
               <a:extLst>
                 <a:ext uri="{96DAC541-7B7A-43D3-8B79-37D633B846F1}">
-                  <asvg:svgBlip xmlns:asvg="http://schemas.microsoft.com/office/drawing/2016/SVG/main" r:embed="rId3"/>
+                  <asvg:svgBlip xmlns:asvg="http://schemas.microsoft.com/office/drawing/2016/SVG/main" r:embed="rId4"/>
                 </a:ext>
               </a:extLst>
             </a:blip>
@@ -7211,7 +7399,7 @@
           <p:cNvPr id="11" name="Freeform 9">
             <a:extLst>
               <a:ext uri="{FF2B5EF4-FFF2-40B4-BE49-F238E27FC236}">
-                <a16:creationId xmlns:a16="http://schemas.microsoft.com/office/drawing/2014/main" id="{F47CA6BD-C995-6C43-66FF-AC76333AD4EE}"/>
+                <a16:creationId xmlns:a16="http://schemas.microsoft.com/office/drawing/2014/main" id="{B090FB28-490F-E31D-9A5C-7A30D69F202F}"/>
               </a:ext>
             </a:extLst>
           </p:cNvPr>
@@ -7251,10 +7439,10 @@
             </a:pathLst>
           </a:custGeom>
           <a:blipFill>
-            <a:blip r:embed="rId4">
+            <a:blip r:embed="rId5">
               <a:extLst>
                 <a:ext uri="{96DAC541-7B7A-43D3-8B79-37D633B846F1}">
-                  <asvg:svgBlip xmlns:asvg="http://schemas.microsoft.com/office/drawing/2016/SVG/main" r:embed="rId5"/>
+                  <asvg:svgBlip xmlns:asvg="http://schemas.microsoft.com/office/drawing/2016/SVG/main" r:embed="rId6"/>
                 </a:ext>
               </a:extLst>
             </a:blip>
@@ -7276,7 +7464,7 @@
           <p:cNvPr id="12" name="Group 10">
             <a:extLst>
               <a:ext uri="{FF2B5EF4-FFF2-40B4-BE49-F238E27FC236}">
-                <a16:creationId xmlns:a16="http://schemas.microsoft.com/office/drawing/2014/main" id="{7D12DD54-51B3-516B-689E-3FE12C7587B4}"/>
+                <a16:creationId xmlns:a16="http://schemas.microsoft.com/office/drawing/2014/main" id="{EEB88FA4-62AE-A878-5E20-7409CD650B23}"/>
               </a:ext>
             </a:extLst>
           </p:cNvPr>
@@ -7296,7 +7484,7 @@
             <p:cNvPr id="13" name="Freeform 11">
               <a:extLst>
                 <a:ext uri="{FF2B5EF4-FFF2-40B4-BE49-F238E27FC236}">
-                  <a16:creationId xmlns:a16="http://schemas.microsoft.com/office/drawing/2014/main" id="{89943B6D-37BC-FECB-6C7F-422B1C64E7DF}"/>
+                  <a16:creationId xmlns:a16="http://schemas.microsoft.com/office/drawing/2014/main" id="{D0D59567-984E-8089-6F99-AB43CB34B0EB}"/>
                 </a:ext>
               </a:extLst>
             </p:cNvPr>
@@ -7399,7 +7587,7 @@
             <p:cNvPr id="14" name="TextBox 12">
               <a:extLst>
                 <a:ext uri="{FF2B5EF4-FFF2-40B4-BE49-F238E27FC236}">
-                  <a16:creationId xmlns:a16="http://schemas.microsoft.com/office/drawing/2014/main" id="{C997001F-CC26-1CC7-9A7A-76F43308A6EF}"/>
+                  <a16:creationId xmlns:a16="http://schemas.microsoft.com/office/drawing/2014/main" id="{AF0D4C0E-921D-255E-EAF4-A5B70FE3866B}"/>
                 </a:ext>
               </a:extLst>
             </p:cNvPr>
@@ -7437,7 +7625,7 @@
           <p:cNvPr id="15" name="Freeform 13">
             <a:extLst>
               <a:ext uri="{FF2B5EF4-FFF2-40B4-BE49-F238E27FC236}">
-                <a16:creationId xmlns:a16="http://schemas.microsoft.com/office/drawing/2014/main" id="{C36E0D45-18C8-562E-689C-533D7210CCB5}"/>
+                <a16:creationId xmlns:a16="http://schemas.microsoft.com/office/drawing/2014/main" id="{85B81586-1FFD-3BEF-C683-46BC283EC79F}"/>
               </a:ext>
             </a:extLst>
           </p:cNvPr>
@@ -7477,7 +7665,7 @@
             </a:pathLst>
           </a:custGeom>
           <a:blipFill>
-            <a:blip r:embed="rId6"/>
+            <a:blip r:embed="rId7"/>
             <a:stretch>
               <a:fillRect/>
             </a:stretch>
@@ -7496,7 +7684,7 @@
           <p:cNvPr id="16" name="Group 14">
             <a:extLst>
               <a:ext uri="{FF2B5EF4-FFF2-40B4-BE49-F238E27FC236}">
-                <a16:creationId xmlns:a16="http://schemas.microsoft.com/office/drawing/2014/main" id="{8CC2C6C6-2AFA-CA93-23BF-54DFA1A2A49D}"/>
+                <a16:creationId xmlns:a16="http://schemas.microsoft.com/office/drawing/2014/main" id="{73D23DFF-5421-632D-1516-952C0CDBE854}"/>
               </a:ext>
             </a:extLst>
           </p:cNvPr>
@@ -7516,7 +7704,7 @@
             <p:cNvPr id="17" name="Group 15">
               <a:extLst>
                 <a:ext uri="{FF2B5EF4-FFF2-40B4-BE49-F238E27FC236}">
-                  <a16:creationId xmlns:a16="http://schemas.microsoft.com/office/drawing/2014/main" id="{D61A9D3B-B291-A10F-347E-5A9182725C5A}"/>
+                  <a16:creationId xmlns:a16="http://schemas.microsoft.com/office/drawing/2014/main" id="{D1AA6F9E-C99E-DEA2-F125-230560BFBDE3}"/>
                 </a:ext>
               </a:extLst>
             </p:cNvPr>
@@ -7536,7 +7724,7 @@
               <p:cNvPr id="21" name="Freeform 16">
                 <a:extLst>
                   <a:ext uri="{FF2B5EF4-FFF2-40B4-BE49-F238E27FC236}">
-                    <a16:creationId xmlns:a16="http://schemas.microsoft.com/office/drawing/2014/main" id="{ADBCC749-FE34-FA60-71C0-4464FC818E52}"/>
+                    <a16:creationId xmlns:a16="http://schemas.microsoft.com/office/drawing/2014/main" id="{2D02686A-BFCB-0AC3-5567-2C6683E3E3B0}"/>
                   </a:ext>
                 </a:extLst>
               </p:cNvPr>
@@ -7639,7 +7827,7 @@
               <p:cNvPr id="22" name="TextBox 17">
                 <a:extLst>
                   <a:ext uri="{FF2B5EF4-FFF2-40B4-BE49-F238E27FC236}">
-                    <a16:creationId xmlns:a16="http://schemas.microsoft.com/office/drawing/2014/main" id="{8CCBC70B-D015-3C6E-4620-7C3CB6EADAB5}"/>
+                    <a16:creationId xmlns:a16="http://schemas.microsoft.com/office/drawing/2014/main" id="{DCD6CAE4-55A0-058E-8145-62C7A0E50680}"/>
                   </a:ext>
                 </a:extLst>
               </p:cNvPr>
@@ -7677,7 +7865,7 @@
             <p:cNvPr id="18" name="Picture 18">
               <a:extLst>
                 <a:ext uri="{FF2B5EF4-FFF2-40B4-BE49-F238E27FC236}">
-                  <a16:creationId xmlns:a16="http://schemas.microsoft.com/office/drawing/2014/main" id="{5E3BAD54-1E42-ABB7-1434-E52BB3D89CA8}"/>
+                  <a16:creationId xmlns:a16="http://schemas.microsoft.com/office/drawing/2014/main" id="{0C8E9185-858C-81D0-4391-C6E0973111FD}"/>
                 </a:ext>
               </a:extLst>
             </p:cNvPr>
@@ -7687,7 +7875,7 @@
             <p:nvPr/>
           </p:nvPicPr>
           <p:blipFill>
-            <a:blip r:embed="rId7"/>
+            <a:blip r:embed="rId8"/>
             <a:srcRect/>
             <a:stretch>
               <a:fillRect/>
@@ -7708,7 +7896,7 @@
             <p:cNvPr id="19" name="Picture 19">
               <a:extLst>
                 <a:ext uri="{FF2B5EF4-FFF2-40B4-BE49-F238E27FC236}">
-                  <a16:creationId xmlns:a16="http://schemas.microsoft.com/office/drawing/2014/main" id="{9E577BA9-402F-A713-7FA4-6E18AF00E697}"/>
+                  <a16:creationId xmlns:a16="http://schemas.microsoft.com/office/drawing/2014/main" id="{BDAEB806-EDF6-9BC0-03D9-31D155C0598A}"/>
                 </a:ext>
               </a:extLst>
             </p:cNvPr>
@@ -7718,7 +7906,7 @@
             <p:nvPr/>
           </p:nvPicPr>
           <p:blipFill>
-            <a:blip r:embed="rId7"/>
+            <a:blip r:embed="rId8"/>
             <a:srcRect/>
             <a:stretch>
               <a:fillRect/>
@@ -7739,7 +7927,7 @@
             <p:cNvPr id="20" name="TextBox 20">
               <a:extLst>
                 <a:ext uri="{FF2B5EF4-FFF2-40B4-BE49-F238E27FC236}">
-                  <a16:creationId xmlns:a16="http://schemas.microsoft.com/office/drawing/2014/main" id="{5ACF7152-672F-B5AB-4DB3-6BCD9F5F89CA}"/>
+                  <a16:creationId xmlns:a16="http://schemas.microsoft.com/office/drawing/2014/main" id="{230DB9A6-BB38-5268-7EF5-752113B2F8E2}"/>
                 </a:ext>
               </a:extLst>
             </p:cNvPr>
@@ -7790,7 +7978,7 @@
           <p:cNvPr id="23" name="TextBox 22">
             <a:extLst>
               <a:ext uri="{FF2B5EF4-FFF2-40B4-BE49-F238E27FC236}">
-                <a16:creationId xmlns:a16="http://schemas.microsoft.com/office/drawing/2014/main" id="{D32961D2-63F4-E12E-8BA1-564E684E7024}"/>
+                <a16:creationId xmlns:a16="http://schemas.microsoft.com/office/drawing/2014/main" id="{6B5A02A4-0D9F-A210-93F3-95CBC47E94D0}"/>
               </a:ext>
             </a:extLst>
           </p:cNvPr>
@@ -7840,7 +8028,7 @@
           <p:cNvPr id="24" name="TextBox 23">
             <a:extLst>
               <a:ext uri="{FF2B5EF4-FFF2-40B4-BE49-F238E27FC236}">
-                <a16:creationId xmlns:a16="http://schemas.microsoft.com/office/drawing/2014/main" id="{C5976C14-AF91-AD28-E5E7-BC4A0C24CF6E}"/>
+                <a16:creationId xmlns:a16="http://schemas.microsoft.com/office/drawing/2014/main" id="{521FE61A-611F-AD81-A2D9-9A3C43329CA8}"/>
               </a:ext>
             </a:extLst>
           </p:cNvPr>
@@ -7890,7 +8078,7 @@
           <p:cNvPr id="25" name="TextBox 24">
             <a:extLst>
               <a:ext uri="{FF2B5EF4-FFF2-40B4-BE49-F238E27FC236}">
-                <a16:creationId xmlns:a16="http://schemas.microsoft.com/office/drawing/2014/main" id="{02C9F4B1-A2DB-7F25-4477-E153802A5D27}"/>
+                <a16:creationId xmlns:a16="http://schemas.microsoft.com/office/drawing/2014/main" id="{A004B589-D3CA-B50A-07A3-9A0DFE159274}"/>
               </a:ext>
             </a:extLst>
           </p:cNvPr>
@@ -7940,7 +8128,7 @@
           <p:cNvPr id="26" name="TextBox 25">
             <a:extLst>
               <a:ext uri="{FF2B5EF4-FFF2-40B4-BE49-F238E27FC236}">
-                <a16:creationId xmlns:a16="http://schemas.microsoft.com/office/drawing/2014/main" id="{BF46FFB7-0E0C-2CCD-0F7C-4F03BF3E4411}"/>
+                <a16:creationId xmlns:a16="http://schemas.microsoft.com/office/drawing/2014/main" id="{7ABA3564-D229-B028-09F0-8619843F4C4F}"/>
               </a:ext>
             </a:extLst>
           </p:cNvPr>
@@ -7990,7 +8178,7 @@
           <p:cNvPr id="33" name="Title 1">
             <a:extLst>
               <a:ext uri="{FF2B5EF4-FFF2-40B4-BE49-F238E27FC236}">
-                <a16:creationId xmlns:a16="http://schemas.microsoft.com/office/drawing/2014/main" id="{EFD83CF4-1704-D76A-8432-42EAE7A58619}"/>
+                <a16:creationId xmlns:a16="http://schemas.microsoft.com/office/drawing/2014/main" id="{317871D8-AE65-86D1-5E92-2EB45576ED03}"/>
               </a:ext>
             </a:extLst>
           </p:cNvPr>
@@ -8020,7 +8208,7 @@
           <p:cNvPr id="34" name="Content Placeholder 2">
             <a:extLst>
               <a:ext uri="{FF2B5EF4-FFF2-40B4-BE49-F238E27FC236}">
-                <a16:creationId xmlns:a16="http://schemas.microsoft.com/office/drawing/2014/main" id="{B2DBECA1-52AE-9934-0894-A6C95969D480}"/>
+                <a16:creationId xmlns:a16="http://schemas.microsoft.com/office/drawing/2014/main" id="{EF949531-1BAA-42EC-4466-A327081E3F8A}"/>
               </a:ext>
             </a:extLst>
           </p:cNvPr>
@@ -8048,7 +8236,7 @@
     </p:spTree>
     <p:extLst>
       <p:ext uri="{BB962C8B-B14F-4D97-AF65-F5344CB8AC3E}">
-        <p14:creationId xmlns:p14="http://schemas.microsoft.com/office/powerpoint/2010/main" val="3926312823"/>
+        <p14:creationId xmlns:p14="http://schemas.microsoft.com/office/powerpoint/2010/main" val="3169113214"/>
       </p:ext>
     </p:extLst>
   </p:cSld>
@@ -8066,7 +8254,7 @@
         <p:cNvPr id="1" name="">
           <a:extLst>
             <a:ext uri="{FF2B5EF4-FFF2-40B4-BE49-F238E27FC236}">
-              <a16:creationId xmlns:a16="http://schemas.microsoft.com/office/drawing/2014/main" id="{2EED1CCE-96F6-3502-749D-28C606480C8D}"/>
+              <a16:creationId xmlns:a16="http://schemas.microsoft.com/office/drawing/2014/main" id="{FC985536-7813-7318-F163-8B83EEC29F3A}"/>
             </a:ext>
           </a:extLst>
         </p:cNvPr>
@@ -8081,12 +8269,59 @@
           <a:chExt cx="0" cy="0"/>
         </a:xfrm>
       </p:grpSpPr>
+      <p:pic>
+        <p:nvPicPr>
+          <p:cNvPr id="1026" name="Picture 2">
+            <a:extLst>
+              <a:ext uri="{FF2B5EF4-FFF2-40B4-BE49-F238E27FC236}">
+                <a16:creationId xmlns:a16="http://schemas.microsoft.com/office/drawing/2014/main" id="{8D7C23BE-8410-F8C8-C612-2FB4D84C9625}"/>
+              </a:ext>
+            </a:extLst>
+          </p:cNvPr>
+          <p:cNvPicPr>
+            <a:picLocks noChangeAspect="1" noChangeArrowheads="1"/>
+          </p:cNvPicPr>
+          <p:nvPr/>
+        </p:nvPicPr>
+        <p:blipFill>
+          <a:blip r:embed="rId2">
+            <a:extLst>
+              <a:ext uri="{28A0092B-C50C-407E-A947-70E740481C1C}">
+                <a14:useLocalDpi xmlns:a14="http://schemas.microsoft.com/office/drawing/2010/main" val="0"/>
+              </a:ext>
+            </a:extLst>
+          </a:blip>
+          <a:srcRect/>
+          <a:stretch>
+            <a:fillRect/>
+          </a:stretch>
+        </p:blipFill>
+        <p:spPr bwMode="auto">
+          <a:xfrm>
+            <a:off x="-152400" y="-127524"/>
+            <a:ext cx="19283679" cy="10757424"/>
+          </a:xfrm>
+          <a:prstGeom prst="rect">
+            <a:avLst/>
+          </a:prstGeom>
+          <a:noFill/>
+          <a:extLst>
+            <a:ext uri="{909E8E84-426E-40DD-AFC4-6F175D3DCCD1}">
+              <a14:hiddenFill xmlns:a14="http://schemas.microsoft.com/office/drawing/2010/main">
+                <a:solidFill>
+                  <a:srgbClr val="FFFFFF"/>
+                </a:solidFill>
+              </a14:hiddenFill>
+            </a:ext>
+          </a:extLst>
+        </p:spPr>
+      </p:pic>
       <p:grpSp>
         <p:nvGrpSpPr>
           <p:cNvPr id="4" name="Group 2">
             <a:extLst>
               <a:ext uri="{FF2B5EF4-FFF2-40B4-BE49-F238E27FC236}">
-                <a16:creationId xmlns:a16="http://schemas.microsoft.com/office/drawing/2014/main" id="{5A7E8064-8AFA-35C1-E279-81B1D582A88C}"/>
+                <a16:creationId xmlns:a16="http://schemas.microsoft.com/office/drawing/2014/main" id="{4C7D8E12-FBE0-1AE4-2D7A-C8A07D1411A8}"/>
               </a:ext>
             </a:extLst>
           </p:cNvPr>
@@ -8106,7 +8341,7 @@
             <p:cNvPr id="5" name="Freeform 3">
               <a:extLst>
                 <a:ext uri="{FF2B5EF4-FFF2-40B4-BE49-F238E27FC236}">
-                  <a16:creationId xmlns:a16="http://schemas.microsoft.com/office/drawing/2014/main" id="{8A2FABDB-5AF3-3573-315C-B3A10F27AF75}"/>
+                  <a16:creationId xmlns:a16="http://schemas.microsoft.com/office/drawing/2014/main" id="{6E172CB4-D8B7-E214-2B51-D55E301058EF}"/>
                 </a:ext>
               </a:extLst>
             </p:cNvPr>
@@ -8214,7 +8449,7 @@
             <p:cNvPr id="6" name="TextBox 4">
               <a:extLst>
                 <a:ext uri="{FF2B5EF4-FFF2-40B4-BE49-F238E27FC236}">
-                  <a16:creationId xmlns:a16="http://schemas.microsoft.com/office/drawing/2014/main" id="{6B542D77-C84F-D91D-85C8-2C2FDCF611AD}"/>
+                  <a16:creationId xmlns:a16="http://schemas.microsoft.com/office/drawing/2014/main" id="{E23060FE-2107-45A4-8A32-64062E35ECCD}"/>
                 </a:ext>
               </a:extLst>
             </p:cNvPr>
@@ -8252,7 +8487,7 @@
           <p:cNvPr id="7" name="Group 5">
             <a:extLst>
               <a:ext uri="{FF2B5EF4-FFF2-40B4-BE49-F238E27FC236}">
-                <a16:creationId xmlns:a16="http://schemas.microsoft.com/office/drawing/2014/main" id="{C046FA3E-6341-9E5E-A8FC-CD1ED611505A}"/>
+                <a16:creationId xmlns:a16="http://schemas.microsoft.com/office/drawing/2014/main" id="{37178AF4-E799-F138-21EE-D5667651BAE9}"/>
               </a:ext>
             </a:extLst>
           </p:cNvPr>
@@ -8272,7 +8507,7 @@
             <p:cNvPr id="8" name="Freeform 6">
               <a:extLst>
                 <a:ext uri="{FF2B5EF4-FFF2-40B4-BE49-F238E27FC236}">
-                  <a16:creationId xmlns:a16="http://schemas.microsoft.com/office/drawing/2014/main" id="{3E2BCD40-21D4-B528-F763-731956EE7275}"/>
+                  <a16:creationId xmlns:a16="http://schemas.microsoft.com/office/drawing/2014/main" id="{4A9E861E-7DC8-C712-260A-1E3644D860AD}"/>
                 </a:ext>
               </a:extLst>
             </p:cNvPr>
@@ -8360,7 +8595,7 @@
             <p:cNvPr id="9" name="TextBox 7">
               <a:extLst>
                 <a:ext uri="{FF2B5EF4-FFF2-40B4-BE49-F238E27FC236}">
-                  <a16:creationId xmlns:a16="http://schemas.microsoft.com/office/drawing/2014/main" id="{828E23AE-3A8E-6712-E0FF-2D884D82CC88}"/>
+                  <a16:creationId xmlns:a16="http://schemas.microsoft.com/office/drawing/2014/main" id="{D878ECF3-90BB-003C-1728-ED7FBB90FA3B}"/>
                 </a:ext>
               </a:extLst>
             </p:cNvPr>
@@ -8398,7 +8633,7 @@
           <p:cNvPr id="10" name="Freeform 8">
             <a:extLst>
               <a:ext uri="{FF2B5EF4-FFF2-40B4-BE49-F238E27FC236}">
-                <a16:creationId xmlns:a16="http://schemas.microsoft.com/office/drawing/2014/main" id="{5E025345-3419-184D-C529-EB50E75D6374}"/>
+                <a16:creationId xmlns:a16="http://schemas.microsoft.com/office/drawing/2014/main" id="{87B66E41-4726-CF79-9CA1-2C0DA7D5FCE7}"/>
               </a:ext>
             </a:extLst>
           </p:cNvPr>
@@ -8438,10 +8673,10 @@
             </a:pathLst>
           </a:custGeom>
           <a:blipFill>
-            <a:blip r:embed="rId2">
+            <a:blip r:embed="rId3">
               <a:extLst>
                 <a:ext uri="{96DAC541-7B7A-43D3-8B79-37D633B846F1}">
-                  <asvg:svgBlip xmlns:asvg="http://schemas.microsoft.com/office/drawing/2016/SVG/main" r:embed="rId3"/>
+                  <asvg:svgBlip xmlns:asvg="http://schemas.microsoft.com/office/drawing/2016/SVG/main" r:embed="rId4"/>
                 </a:ext>
               </a:extLst>
             </a:blip>
@@ -8463,7 +8698,7 @@
           <p:cNvPr id="11" name="Freeform 9">
             <a:extLst>
               <a:ext uri="{FF2B5EF4-FFF2-40B4-BE49-F238E27FC236}">
-                <a16:creationId xmlns:a16="http://schemas.microsoft.com/office/drawing/2014/main" id="{05143095-A480-E7ED-56B2-E4AD3E5851DC}"/>
+                <a16:creationId xmlns:a16="http://schemas.microsoft.com/office/drawing/2014/main" id="{17C388CF-7BC5-3B20-E76C-7ABF8EDC4D13}"/>
               </a:ext>
             </a:extLst>
           </p:cNvPr>
@@ -8503,10 +8738,10 @@
             </a:pathLst>
           </a:custGeom>
           <a:blipFill>
-            <a:blip r:embed="rId4">
+            <a:blip r:embed="rId5">
               <a:extLst>
                 <a:ext uri="{96DAC541-7B7A-43D3-8B79-37D633B846F1}">
-                  <asvg:svgBlip xmlns:asvg="http://schemas.microsoft.com/office/drawing/2016/SVG/main" r:embed="rId5"/>
+                  <asvg:svgBlip xmlns:asvg="http://schemas.microsoft.com/office/drawing/2016/SVG/main" r:embed="rId6"/>
                 </a:ext>
               </a:extLst>
             </a:blip>
@@ -8528,7 +8763,7 @@
           <p:cNvPr id="12" name="Group 10">
             <a:extLst>
               <a:ext uri="{FF2B5EF4-FFF2-40B4-BE49-F238E27FC236}">
-                <a16:creationId xmlns:a16="http://schemas.microsoft.com/office/drawing/2014/main" id="{8BCB189A-4DFF-DE78-1096-AE07D2581693}"/>
+                <a16:creationId xmlns:a16="http://schemas.microsoft.com/office/drawing/2014/main" id="{5DAD985B-740A-1891-A547-9A5546C615DE}"/>
               </a:ext>
             </a:extLst>
           </p:cNvPr>
@@ -8548,7 +8783,7 @@
             <p:cNvPr id="13" name="Freeform 11">
               <a:extLst>
                 <a:ext uri="{FF2B5EF4-FFF2-40B4-BE49-F238E27FC236}">
-                  <a16:creationId xmlns:a16="http://schemas.microsoft.com/office/drawing/2014/main" id="{98C3E2B9-A08A-4B4F-541A-00A318C08E66}"/>
+                  <a16:creationId xmlns:a16="http://schemas.microsoft.com/office/drawing/2014/main" id="{9CFFBA45-DDA6-5A9F-D9A0-8190288FB029}"/>
                 </a:ext>
               </a:extLst>
             </p:cNvPr>
@@ -8651,7 +8886,7 @@
             <p:cNvPr id="14" name="TextBox 12">
               <a:extLst>
                 <a:ext uri="{FF2B5EF4-FFF2-40B4-BE49-F238E27FC236}">
-                  <a16:creationId xmlns:a16="http://schemas.microsoft.com/office/drawing/2014/main" id="{9C5874AA-2479-D7F3-5EA0-EA65BD1E0CF5}"/>
+                  <a16:creationId xmlns:a16="http://schemas.microsoft.com/office/drawing/2014/main" id="{8935034A-3049-1BFA-4EFB-6EBC8E0A4A99}"/>
                 </a:ext>
               </a:extLst>
             </p:cNvPr>
@@ -8689,7 +8924,7 @@
           <p:cNvPr id="15" name="Freeform 13">
             <a:extLst>
               <a:ext uri="{FF2B5EF4-FFF2-40B4-BE49-F238E27FC236}">
-                <a16:creationId xmlns:a16="http://schemas.microsoft.com/office/drawing/2014/main" id="{87AB1763-F05B-389C-DD2A-E3C03DDF492C}"/>
+                <a16:creationId xmlns:a16="http://schemas.microsoft.com/office/drawing/2014/main" id="{363034F1-F1CA-BCBD-C30F-D669A14D38A6}"/>
               </a:ext>
             </a:extLst>
           </p:cNvPr>
@@ -8729,7 +8964,7 @@
             </a:pathLst>
           </a:custGeom>
           <a:blipFill>
-            <a:blip r:embed="rId6"/>
+            <a:blip r:embed="rId7"/>
             <a:stretch>
               <a:fillRect/>
             </a:stretch>
@@ -8748,7 +8983,7 @@
           <p:cNvPr id="16" name="Group 14">
             <a:extLst>
               <a:ext uri="{FF2B5EF4-FFF2-40B4-BE49-F238E27FC236}">
-                <a16:creationId xmlns:a16="http://schemas.microsoft.com/office/drawing/2014/main" id="{3045645E-C6D1-5A91-F3F6-1C21DBD9CD68}"/>
+                <a16:creationId xmlns:a16="http://schemas.microsoft.com/office/drawing/2014/main" id="{D36E3BAE-4F34-E526-383E-289D23243407}"/>
               </a:ext>
             </a:extLst>
           </p:cNvPr>
@@ -8768,7 +9003,7 @@
             <p:cNvPr id="17" name="Group 15">
               <a:extLst>
                 <a:ext uri="{FF2B5EF4-FFF2-40B4-BE49-F238E27FC236}">
-                  <a16:creationId xmlns:a16="http://schemas.microsoft.com/office/drawing/2014/main" id="{2761804A-A468-CC7C-BE4F-85F9651EE89E}"/>
+                  <a16:creationId xmlns:a16="http://schemas.microsoft.com/office/drawing/2014/main" id="{5DB039E3-2646-2E47-5995-D01FC311D7B3}"/>
                 </a:ext>
               </a:extLst>
             </p:cNvPr>
@@ -8788,7 +9023,7 @@
               <p:cNvPr id="21" name="Freeform 16">
                 <a:extLst>
                   <a:ext uri="{FF2B5EF4-FFF2-40B4-BE49-F238E27FC236}">
-                    <a16:creationId xmlns:a16="http://schemas.microsoft.com/office/drawing/2014/main" id="{CE610858-DA76-E528-778D-63737A739EDB}"/>
+                    <a16:creationId xmlns:a16="http://schemas.microsoft.com/office/drawing/2014/main" id="{C63BA87E-A339-6AD7-93AA-A27A5434059E}"/>
                   </a:ext>
                 </a:extLst>
               </p:cNvPr>
@@ -8891,7 +9126,7 @@
               <p:cNvPr id="22" name="TextBox 17">
                 <a:extLst>
                   <a:ext uri="{FF2B5EF4-FFF2-40B4-BE49-F238E27FC236}">
-                    <a16:creationId xmlns:a16="http://schemas.microsoft.com/office/drawing/2014/main" id="{765487E6-9F4D-BE26-E00A-4BAE6027DFBA}"/>
+                    <a16:creationId xmlns:a16="http://schemas.microsoft.com/office/drawing/2014/main" id="{F19E4928-E94A-6900-8400-04F85BFBA4CC}"/>
                   </a:ext>
                 </a:extLst>
               </p:cNvPr>
@@ -8929,7 +9164,7 @@
             <p:cNvPr id="18" name="Picture 18">
               <a:extLst>
                 <a:ext uri="{FF2B5EF4-FFF2-40B4-BE49-F238E27FC236}">
-                  <a16:creationId xmlns:a16="http://schemas.microsoft.com/office/drawing/2014/main" id="{3EEFE95C-5D95-4716-F1D5-5340A0DA5ADA}"/>
+                  <a16:creationId xmlns:a16="http://schemas.microsoft.com/office/drawing/2014/main" id="{22A17701-6F5E-8C43-EBD9-8B151A7DA800}"/>
                 </a:ext>
               </a:extLst>
             </p:cNvPr>
@@ -8939,7 +9174,7 @@
             <p:nvPr/>
           </p:nvPicPr>
           <p:blipFill>
-            <a:blip r:embed="rId7"/>
+            <a:blip r:embed="rId8"/>
             <a:srcRect/>
             <a:stretch>
               <a:fillRect/>
@@ -8960,7 +9195,7 @@
             <p:cNvPr id="19" name="Picture 19">
               <a:extLst>
                 <a:ext uri="{FF2B5EF4-FFF2-40B4-BE49-F238E27FC236}">
-                  <a16:creationId xmlns:a16="http://schemas.microsoft.com/office/drawing/2014/main" id="{DDAB326B-1C3E-1AFA-0087-CD0B9F5953D9}"/>
+                  <a16:creationId xmlns:a16="http://schemas.microsoft.com/office/drawing/2014/main" id="{9C0FF43E-BA94-D4F4-53F7-1CF75B1FA0DE}"/>
                 </a:ext>
               </a:extLst>
             </p:cNvPr>
@@ -8970,7 +9205,7 @@
             <p:nvPr/>
           </p:nvPicPr>
           <p:blipFill>
-            <a:blip r:embed="rId7"/>
+            <a:blip r:embed="rId8"/>
             <a:srcRect/>
             <a:stretch>
               <a:fillRect/>
@@ -8991,7 +9226,7 @@
             <p:cNvPr id="20" name="TextBox 20">
               <a:extLst>
                 <a:ext uri="{FF2B5EF4-FFF2-40B4-BE49-F238E27FC236}">
-                  <a16:creationId xmlns:a16="http://schemas.microsoft.com/office/drawing/2014/main" id="{3915BCEB-9CE5-80C9-7B74-328A27374E1B}"/>
+                  <a16:creationId xmlns:a16="http://schemas.microsoft.com/office/drawing/2014/main" id="{369CF618-7839-4D16-BB36-C53F581B79BA}"/>
                 </a:ext>
               </a:extLst>
             </p:cNvPr>
@@ -9042,7 +9277,7 @@
           <p:cNvPr id="23" name="TextBox 22">
             <a:extLst>
               <a:ext uri="{FF2B5EF4-FFF2-40B4-BE49-F238E27FC236}">
-                <a16:creationId xmlns:a16="http://schemas.microsoft.com/office/drawing/2014/main" id="{A786F813-6780-19BF-0AE9-1569AF80A0E7}"/>
+                <a16:creationId xmlns:a16="http://schemas.microsoft.com/office/drawing/2014/main" id="{83E45CA4-63D0-8C58-D707-9C5B0F29D859}"/>
               </a:ext>
             </a:extLst>
           </p:cNvPr>
@@ -9092,7 +9327,7 @@
           <p:cNvPr id="24" name="TextBox 23">
             <a:extLst>
               <a:ext uri="{FF2B5EF4-FFF2-40B4-BE49-F238E27FC236}">
-                <a16:creationId xmlns:a16="http://schemas.microsoft.com/office/drawing/2014/main" id="{C681F3B5-CF2C-9899-AB01-4276CA5B70C9}"/>
+                <a16:creationId xmlns:a16="http://schemas.microsoft.com/office/drawing/2014/main" id="{55338B9D-BD22-1E7F-CB32-55CBD2D4D0EB}"/>
               </a:ext>
             </a:extLst>
           </p:cNvPr>
@@ -9142,7 +9377,7 @@
           <p:cNvPr id="25" name="TextBox 24">
             <a:extLst>
               <a:ext uri="{FF2B5EF4-FFF2-40B4-BE49-F238E27FC236}">
-                <a16:creationId xmlns:a16="http://schemas.microsoft.com/office/drawing/2014/main" id="{A977F554-8167-D9C1-FE1F-2F55A56184A9}"/>
+                <a16:creationId xmlns:a16="http://schemas.microsoft.com/office/drawing/2014/main" id="{BB454962-D9EE-2E58-1A83-BC81351B1C4C}"/>
               </a:ext>
             </a:extLst>
           </p:cNvPr>
@@ -9192,7 +9427,7 @@
           <p:cNvPr id="26" name="TextBox 25">
             <a:extLst>
               <a:ext uri="{FF2B5EF4-FFF2-40B4-BE49-F238E27FC236}">
-                <a16:creationId xmlns:a16="http://schemas.microsoft.com/office/drawing/2014/main" id="{5917B625-B3AC-12B2-30F8-FD40B78C1EDA}"/>
+                <a16:creationId xmlns:a16="http://schemas.microsoft.com/office/drawing/2014/main" id="{B0DE5C71-8230-DD6C-C834-DB49B8EBD4B1}"/>
               </a:ext>
             </a:extLst>
           </p:cNvPr>
@@ -9242,7 +9477,7 @@
           <p:cNvPr id="33" name="Title 1">
             <a:extLst>
               <a:ext uri="{FF2B5EF4-FFF2-40B4-BE49-F238E27FC236}">
-                <a16:creationId xmlns:a16="http://schemas.microsoft.com/office/drawing/2014/main" id="{CDC38AF4-316B-B804-BD8C-92491408BF5E}"/>
+                <a16:creationId xmlns:a16="http://schemas.microsoft.com/office/drawing/2014/main" id="{22A7E7DD-E48B-6EBB-9A9E-A61AA8252947}"/>
               </a:ext>
             </a:extLst>
           </p:cNvPr>
@@ -9272,7 +9507,7 @@
           <p:cNvPr id="34" name="Content Placeholder 2">
             <a:extLst>
               <a:ext uri="{FF2B5EF4-FFF2-40B4-BE49-F238E27FC236}">
-                <a16:creationId xmlns:a16="http://schemas.microsoft.com/office/drawing/2014/main" id="{57A6D7F3-2D77-D0CE-4D75-3D47B0DCF4C5}"/>
+                <a16:creationId xmlns:a16="http://schemas.microsoft.com/office/drawing/2014/main" id="{2DAB0E28-FC8E-17CD-C5D7-06716EBAACA8}"/>
               </a:ext>
             </a:extLst>
           </p:cNvPr>
@@ -9285,7 +9520,7 @@
         </p:nvSpPr>
         <p:spPr>
           <a:xfrm>
-            <a:off x="8839200" y="2441256"/>
+            <a:off x="8828314" y="2476500"/>
             <a:ext cx="8229600" cy="4525963"/>
           </a:xfrm>
         </p:spPr>
@@ -9300,7 +9535,7 @@
     </p:spTree>
     <p:extLst>
       <p:ext uri="{BB962C8B-B14F-4D97-AF65-F5344CB8AC3E}">
-        <p14:creationId xmlns:p14="http://schemas.microsoft.com/office/powerpoint/2010/main" val="647260915"/>
+        <p14:creationId xmlns:p14="http://schemas.microsoft.com/office/powerpoint/2010/main" val="2367805595"/>
       </p:ext>
     </p:extLst>
   </p:cSld>
@@ -9318,7 +9553,7 @@
         <p:cNvPr id="1" name="">
           <a:extLst>
             <a:ext uri="{FF2B5EF4-FFF2-40B4-BE49-F238E27FC236}">
-              <a16:creationId xmlns:a16="http://schemas.microsoft.com/office/drawing/2014/main" id="{73033527-C066-7681-EFA7-F4B656CECC50}"/>
+              <a16:creationId xmlns:a16="http://schemas.microsoft.com/office/drawing/2014/main" id="{89B55919-7995-81C8-76CC-9897AC8DDD11}"/>
             </a:ext>
           </a:extLst>
         </p:cNvPr>
@@ -9333,12 +9568,59 @@
           <a:chExt cx="0" cy="0"/>
         </a:xfrm>
       </p:grpSpPr>
+      <p:pic>
+        <p:nvPicPr>
+          <p:cNvPr id="1026" name="Picture 2">
+            <a:extLst>
+              <a:ext uri="{FF2B5EF4-FFF2-40B4-BE49-F238E27FC236}">
+                <a16:creationId xmlns:a16="http://schemas.microsoft.com/office/drawing/2014/main" id="{D30126A7-1BE6-C0A8-3E21-EA99A27C9A07}"/>
+              </a:ext>
+            </a:extLst>
+          </p:cNvPr>
+          <p:cNvPicPr>
+            <a:picLocks noChangeAspect="1" noChangeArrowheads="1"/>
+          </p:cNvPicPr>
+          <p:nvPr/>
+        </p:nvPicPr>
+        <p:blipFill>
+          <a:blip r:embed="rId2">
+            <a:extLst>
+              <a:ext uri="{28A0092B-C50C-407E-A947-70E740481C1C}">
+                <a14:useLocalDpi xmlns:a14="http://schemas.microsoft.com/office/drawing/2010/main" val="0"/>
+              </a:ext>
+            </a:extLst>
+          </a:blip>
+          <a:srcRect/>
+          <a:stretch>
+            <a:fillRect/>
+          </a:stretch>
+        </p:blipFill>
+        <p:spPr bwMode="auto">
+          <a:xfrm>
+            <a:off x="-152400" y="-127524"/>
+            <a:ext cx="19283679" cy="10757424"/>
+          </a:xfrm>
+          <a:prstGeom prst="rect">
+            <a:avLst/>
+          </a:prstGeom>
+          <a:noFill/>
+          <a:extLst>
+            <a:ext uri="{909E8E84-426E-40DD-AFC4-6F175D3DCCD1}">
+              <a14:hiddenFill xmlns:a14="http://schemas.microsoft.com/office/drawing/2010/main">
+                <a:solidFill>
+                  <a:srgbClr val="FFFFFF"/>
+                </a:solidFill>
+              </a14:hiddenFill>
+            </a:ext>
+          </a:extLst>
+        </p:spPr>
+      </p:pic>
       <p:grpSp>
         <p:nvGrpSpPr>
           <p:cNvPr id="4" name="Group 2">
             <a:extLst>
               <a:ext uri="{FF2B5EF4-FFF2-40B4-BE49-F238E27FC236}">
-                <a16:creationId xmlns:a16="http://schemas.microsoft.com/office/drawing/2014/main" id="{ADB044D6-C09B-D001-8F9F-C6EB0055AF91}"/>
+                <a16:creationId xmlns:a16="http://schemas.microsoft.com/office/drawing/2014/main" id="{33C2975F-EB5C-DB9B-BF11-6FAE0B549A9E}"/>
               </a:ext>
             </a:extLst>
           </p:cNvPr>
@@ -9358,7 +9640,7 @@
             <p:cNvPr id="5" name="Freeform 3">
               <a:extLst>
                 <a:ext uri="{FF2B5EF4-FFF2-40B4-BE49-F238E27FC236}">
-                  <a16:creationId xmlns:a16="http://schemas.microsoft.com/office/drawing/2014/main" id="{C1B15BFA-A217-5041-5FB0-B2E571B38DBD}"/>
+                  <a16:creationId xmlns:a16="http://schemas.microsoft.com/office/drawing/2014/main" id="{E14DA29E-ECCC-347C-EEB4-CEEDAAD35F66}"/>
                 </a:ext>
               </a:extLst>
             </p:cNvPr>
@@ -9466,7 +9748,7 @@
             <p:cNvPr id="6" name="TextBox 4">
               <a:extLst>
                 <a:ext uri="{FF2B5EF4-FFF2-40B4-BE49-F238E27FC236}">
-                  <a16:creationId xmlns:a16="http://schemas.microsoft.com/office/drawing/2014/main" id="{75DA99C2-6653-4656-F92E-DF652A786853}"/>
+                  <a16:creationId xmlns:a16="http://schemas.microsoft.com/office/drawing/2014/main" id="{FD3F7D57-E78C-A003-39D1-87ACF36B6EEB}"/>
                 </a:ext>
               </a:extLst>
             </p:cNvPr>
@@ -9504,7 +9786,7 @@
           <p:cNvPr id="7" name="Group 5">
             <a:extLst>
               <a:ext uri="{FF2B5EF4-FFF2-40B4-BE49-F238E27FC236}">
-                <a16:creationId xmlns:a16="http://schemas.microsoft.com/office/drawing/2014/main" id="{A6BA24E4-3088-59E1-00BF-AD511D4B5ABD}"/>
+                <a16:creationId xmlns:a16="http://schemas.microsoft.com/office/drawing/2014/main" id="{DF351227-A592-CE7C-AAC0-573AC5633250}"/>
               </a:ext>
             </a:extLst>
           </p:cNvPr>
@@ -9524,7 +9806,7 @@
             <p:cNvPr id="8" name="Freeform 6">
               <a:extLst>
                 <a:ext uri="{FF2B5EF4-FFF2-40B4-BE49-F238E27FC236}">
-                  <a16:creationId xmlns:a16="http://schemas.microsoft.com/office/drawing/2014/main" id="{08D523B2-0F6A-6E8B-3359-BF04C648ED19}"/>
+                  <a16:creationId xmlns:a16="http://schemas.microsoft.com/office/drawing/2014/main" id="{C47C37DB-77CD-714C-6AAF-D2D0E4592F99}"/>
                 </a:ext>
               </a:extLst>
             </p:cNvPr>
@@ -9612,7 +9894,7 @@
             <p:cNvPr id="9" name="TextBox 7">
               <a:extLst>
                 <a:ext uri="{FF2B5EF4-FFF2-40B4-BE49-F238E27FC236}">
-                  <a16:creationId xmlns:a16="http://schemas.microsoft.com/office/drawing/2014/main" id="{AD131E08-51B7-56D6-4B81-587E3EC48725}"/>
+                  <a16:creationId xmlns:a16="http://schemas.microsoft.com/office/drawing/2014/main" id="{563A2C06-D84C-E8C0-46B1-E575D28C9D84}"/>
                 </a:ext>
               </a:extLst>
             </p:cNvPr>
@@ -9650,7 +9932,7 @@
           <p:cNvPr id="10" name="Freeform 8">
             <a:extLst>
               <a:ext uri="{FF2B5EF4-FFF2-40B4-BE49-F238E27FC236}">
-                <a16:creationId xmlns:a16="http://schemas.microsoft.com/office/drawing/2014/main" id="{FC80A8C0-7FEF-F4F5-FAC6-97B1FCECA136}"/>
+                <a16:creationId xmlns:a16="http://schemas.microsoft.com/office/drawing/2014/main" id="{FD661FA3-FB28-AA8E-E317-622AB86B7A4C}"/>
               </a:ext>
             </a:extLst>
           </p:cNvPr>
@@ -9690,10 +9972,10 @@
             </a:pathLst>
           </a:custGeom>
           <a:blipFill>
-            <a:blip r:embed="rId2">
+            <a:blip r:embed="rId3">
               <a:extLst>
                 <a:ext uri="{96DAC541-7B7A-43D3-8B79-37D633B846F1}">
-                  <asvg:svgBlip xmlns:asvg="http://schemas.microsoft.com/office/drawing/2016/SVG/main" r:embed="rId3"/>
+                  <asvg:svgBlip xmlns:asvg="http://schemas.microsoft.com/office/drawing/2016/SVG/main" r:embed="rId4"/>
                 </a:ext>
               </a:extLst>
             </a:blip>
@@ -9715,7 +9997,7 @@
           <p:cNvPr id="11" name="Freeform 9">
             <a:extLst>
               <a:ext uri="{FF2B5EF4-FFF2-40B4-BE49-F238E27FC236}">
-                <a16:creationId xmlns:a16="http://schemas.microsoft.com/office/drawing/2014/main" id="{021743C0-F691-25DF-C785-F579D43AD19B}"/>
+                <a16:creationId xmlns:a16="http://schemas.microsoft.com/office/drawing/2014/main" id="{459E666C-E4A6-B56F-1F21-A979D5D24F4F}"/>
               </a:ext>
             </a:extLst>
           </p:cNvPr>
@@ -9755,10 +10037,10 @@
             </a:pathLst>
           </a:custGeom>
           <a:blipFill>
-            <a:blip r:embed="rId4">
+            <a:blip r:embed="rId5">
               <a:extLst>
                 <a:ext uri="{96DAC541-7B7A-43D3-8B79-37D633B846F1}">
-                  <asvg:svgBlip xmlns:asvg="http://schemas.microsoft.com/office/drawing/2016/SVG/main" r:embed="rId5"/>
+                  <asvg:svgBlip xmlns:asvg="http://schemas.microsoft.com/office/drawing/2016/SVG/main" r:embed="rId6"/>
                 </a:ext>
               </a:extLst>
             </a:blip>
@@ -9780,7 +10062,7 @@
           <p:cNvPr id="12" name="Group 10">
             <a:extLst>
               <a:ext uri="{FF2B5EF4-FFF2-40B4-BE49-F238E27FC236}">
-                <a16:creationId xmlns:a16="http://schemas.microsoft.com/office/drawing/2014/main" id="{2A7D7E04-22F4-52DD-9747-0CD530B0F852}"/>
+                <a16:creationId xmlns:a16="http://schemas.microsoft.com/office/drawing/2014/main" id="{2A55D12A-9438-0166-48C0-BBE53227A858}"/>
               </a:ext>
             </a:extLst>
           </p:cNvPr>
@@ -9800,7 +10082,7 @@
             <p:cNvPr id="13" name="Freeform 11">
               <a:extLst>
                 <a:ext uri="{FF2B5EF4-FFF2-40B4-BE49-F238E27FC236}">
-                  <a16:creationId xmlns:a16="http://schemas.microsoft.com/office/drawing/2014/main" id="{4DA8B7EC-835E-70BF-E8AD-1D4BF376882D}"/>
+                  <a16:creationId xmlns:a16="http://schemas.microsoft.com/office/drawing/2014/main" id="{FF5C1596-773B-378E-2E1F-E67506172D3A}"/>
                 </a:ext>
               </a:extLst>
             </p:cNvPr>
@@ -9903,7 +10185,7 @@
             <p:cNvPr id="14" name="TextBox 12">
               <a:extLst>
                 <a:ext uri="{FF2B5EF4-FFF2-40B4-BE49-F238E27FC236}">
-                  <a16:creationId xmlns:a16="http://schemas.microsoft.com/office/drawing/2014/main" id="{F5801B47-B229-3FA1-F708-946DFAEAB4B9}"/>
+                  <a16:creationId xmlns:a16="http://schemas.microsoft.com/office/drawing/2014/main" id="{37DFBAA4-9CE3-BF63-C1D7-381E1FBD16B0}"/>
                 </a:ext>
               </a:extLst>
             </p:cNvPr>
@@ -9941,7 +10223,7 @@
           <p:cNvPr id="15" name="Freeform 13">
             <a:extLst>
               <a:ext uri="{FF2B5EF4-FFF2-40B4-BE49-F238E27FC236}">
-                <a16:creationId xmlns:a16="http://schemas.microsoft.com/office/drawing/2014/main" id="{185992AD-33FB-72EA-CDDD-4AF041C8228B}"/>
+                <a16:creationId xmlns:a16="http://schemas.microsoft.com/office/drawing/2014/main" id="{8E1BEB31-CCCF-48F2-3289-72A704CC11D3}"/>
               </a:ext>
             </a:extLst>
           </p:cNvPr>
@@ -9981,7 +10263,7 @@
             </a:pathLst>
           </a:custGeom>
           <a:blipFill>
-            <a:blip r:embed="rId6"/>
+            <a:blip r:embed="rId7"/>
             <a:stretch>
               <a:fillRect/>
             </a:stretch>
@@ -10000,7 +10282,7 @@
           <p:cNvPr id="16" name="Group 14">
             <a:extLst>
               <a:ext uri="{FF2B5EF4-FFF2-40B4-BE49-F238E27FC236}">
-                <a16:creationId xmlns:a16="http://schemas.microsoft.com/office/drawing/2014/main" id="{EC8B4D04-FE10-C00E-B45D-7D2DD70882E4}"/>
+                <a16:creationId xmlns:a16="http://schemas.microsoft.com/office/drawing/2014/main" id="{9F8C6570-6159-4309-FBBA-A7705EDC463B}"/>
               </a:ext>
             </a:extLst>
           </p:cNvPr>
@@ -10020,7 +10302,7 @@
             <p:cNvPr id="17" name="Group 15">
               <a:extLst>
                 <a:ext uri="{FF2B5EF4-FFF2-40B4-BE49-F238E27FC236}">
-                  <a16:creationId xmlns:a16="http://schemas.microsoft.com/office/drawing/2014/main" id="{AC94B055-AD6F-25EC-7277-D64AA6CFEE8D}"/>
+                  <a16:creationId xmlns:a16="http://schemas.microsoft.com/office/drawing/2014/main" id="{43CF81BF-F797-950A-2773-5E0D71800CD7}"/>
                 </a:ext>
               </a:extLst>
             </p:cNvPr>
@@ -10040,7 +10322,7 @@
               <p:cNvPr id="21" name="Freeform 16">
                 <a:extLst>
                   <a:ext uri="{FF2B5EF4-FFF2-40B4-BE49-F238E27FC236}">
-                    <a16:creationId xmlns:a16="http://schemas.microsoft.com/office/drawing/2014/main" id="{AEEFAE99-1374-4C96-0B2D-2AC8EBC9F418}"/>
+                    <a16:creationId xmlns:a16="http://schemas.microsoft.com/office/drawing/2014/main" id="{A130B26F-A560-397B-8CE9-5F4DAD24BD9F}"/>
                   </a:ext>
                 </a:extLst>
               </p:cNvPr>
@@ -10143,7 +10425,7 @@
               <p:cNvPr id="22" name="TextBox 17">
                 <a:extLst>
                   <a:ext uri="{FF2B5EF4-FFF2-40B4-BE49-F238E27FC236}">
-                    <a16:creationId xmlns:a16="http://schemas.microsoft.com/office/drawing/2014/main" id="{C435BAC1-2F2B-57C8-5984-91AC1A8D37EE}"/>
+                    <a16:creationId xmlns:a16="http://schemas.microsoft.com/office/drawing/2014/main" id="{3A701D33-75DC-7CC2-8E5C-7EBCBEB9990E}"/>
                   </a:ext>
                 </a:extLst>
               </p:cNvPr>
@@ -10181,7 +10463,7 @@
             <p:cNvPr id="18" name="Picture 18">
               <a:extLst>
                 <a:ext uri="{FF2B5EF4-FFF2-40B4-BE49-F238E27FC236}">
-                  <a16:creationId xmlns:a16="http://schemas.microsoft.com/office/drawing/2014/main" id="{761F8219-228D-61DB-5D7C-A8D1ECC648B1}"/>
+                  <a16:creationId xmlns:a16="http://schemas.microsoft.com/office/drawing/2014/main" id="{85F6C04F-CBD8-09A3-3C74-0E9F5227CD68}"/>
                 </a:ext>
               </a:extLst>
             </p:cNvPr>
@@ -10191,7 +10473,7 @@
             <p:nvPr/>
           </p:nvPicPr>
           <p:blipFill>
-            <a:blip r:embed="rId7"/>
+            <a:blip r:embed="rId8"/>
             <a:srcRect/>
             <a:stretch>
               <a:fillRect/>
@@ -10212,7 +10494,7 @@
             <p:cNvPr id="19" name="Picture 19">
               <a:extLst>
                 <a:ext uri="{FF2B5EF4-FFF2-40B4-BE49-F238E27FC236}">
-                  <a16:creationId xmlns:a16="http://schemas.microsoft.com/office/drawing/2014/main" id="{8DE01124-8379-B6A9-CFA0-CE61A286BCB3}"/>
+                  <a16:creationId xmlns:a16="http://schemas.microsoft.com/office/drawing/2014/main" id="{809FD26D-1AD4-C81E-18DC-E549DC45740A}"/>
                 </a:ext>
               </a:extLst>
             </p:cNvPr>
@@ -10222,7 +10504,7 @@
             <p:nvPr/>
           </p:nvPicPr>
           <p:blipFill>
-            <a:blip r:embed="rId7"/>
+            <a:blip r:embed="rId8"/>
             <a:srcRect/>
             <a:stretch>
               <a:fillRect/>
@@ -10243,7 +10525,7 @@
             <p:cNvPr id="20" name="TextBox 20">
               <a:extLst>
                 <a:ext uri="{FF2B5EF4-FFF2-40B4-BE49-F238E27FC236}">
-                  <a16:creationId xmlns:a16="http://schemas.microsoft.com/office/drawing/2014/main" id="{9DB98190-8BA6-5264-5D46-610CC64725DE}"/>
+                  <a16:creationId xmlns:a16="http://schemas.microsoft.com/office/drawing/2014/main" id="{7777B9E6-BF82-A81A-5C84-710CA7853FA7}"/>
                 </a:ext>
               </a:extLst>
             </p:cNvPr>
@@ -10294,7 +10576,7 @@
           <p:cNvPr id="23" name="TextBox 22">
             <a:extLst>
               <a:ext uri="{FF2B5EF4-FFF2-40B4-BE49-F238E27FC236}">
-                <a16:creationId xmlns:a16="http://schemas.microsoft.com/office/drawing/2014/main" id="{2B102C3C-2B2B-9767-1580-004C3DC8FA78}"/>
+                <a16:creationId xmlns:a16="http://schemas.microsoft.com/office/drawing/2014/main" id="{1A929D3A-110D-E8AF-335B-A4AE174CA2CA}"/>
               </a:ext>
             </a:extLst>
           </p:cNvPr>
@@ -10344,7 +10626,7 @@
           <p:cNvPr id="24" name="TextBox 23">
             <a:extLst>
               <a:ext uri="{FF2B5EF4-FFF2-40B4-BE49-F238E27FC236}">
-                <a16:creationId xmlns:a16="http://schemas.microsoft.com/office/drawing/2014/main" id="{5EFDFDE9-7348-52DB-D288-38DC780A513E}"/>
+                <a16:creationId xmlns:a16="http://schemas.microsoft.com/office/drawing/2014/main" id="{DF6C581F-C354-DB1C-020F-5463DD30985E}"/>
               </a:ext>
             </a:extLst>
           </p:cNvPr>
@@ -10394,7 +10676,7 @@
           <p:cNvPr id="25" name="TextBox 24">
             <a:extLst>
               <a:ext uri="{FF2B5EF4-FFF2-40B4-BE49-F238E27FC236}">
-                <a16:creationId xmlns:a16="http://schemas.microsoft.com/office/drawing/2014/main" id="{B5CA979F-F36D-2E3C-6BB0-5367D03853BA}"/>
+                <a16:creationId xmlns:a16="http://schemas.microsoft.com/office/drawing/2014/main" id="{26E82490-33D9-83C1-99FA-907A01526862}"/>
               </a:ext>
             </a:extLst>
           </p:cNvPr>
@@ -10444,7 +10726,7 @@
           <p:cNvPr id="26" name="TextBox 25">
             <a:extLst>
               <a:ext uri="{FF2B5EF4-FFF2-40B4-BE49-F238E27FC236}">
-                <a16:creationId xmlns:a16="http://schemas.microsoft.com/office/drawing/2014/main" id="{7E234904-C9A2-13B5-D88E-3CE9548DF8D2}"/>
+                <a16:creationId xmlns:a16="http://schemas.microsoft.com/office/drawing/2014/main" id="{0EDB7737-67A4-F489-E74A-377F6C80DAC3}"/>
               </a:ext>
             </a:extLst>
           </p:cNvPr>
@@ -10494,7 +10776,7 @@
           <p:cNvPr id="33" name="Title 1">
             <a:extLst>
               <a:ext uri="{FF2B5EF4-FFF2-40B4-BE49-F238E27FC236}">
-                <a16:creationId xmlns:a16="http://schemas.microsoft.com/office/drawing/2014/main" id="{597CD138-993A-6374-CE40-93B5601D85ED}"/>
+                <a16:creationId xmlns:a16="http://schemas.microsoft.com/office/drawing/2014/main" id="{4DE0115D-E24B-0E14-ED7E-A1359A1EC9DE}"/>
               </a:ext>
             </a:extLst>
           </p:cNvPr>
@@ -10524,7 +10806,7 @@
           <p:cNvPr id="34" name="Content Placeholder 2">
             <a:extLst>
               <a:ext uri="{FF2B5EF4-FFF2-40B4-BE49-F238E27FC236}">
-                <a16:creationId xmlns:a16="http://schemas.microsoft.com/office/drawing/2014/main" id="{1CCABCB7-AA9D-1CB8-CA8B-6C3B0A8BBE53}"/>
+                <a16:creationId xmlns:a16="http://schemas.microsoft.com/office/drawing/2014/main" id="{02CD81B8-F77C-A12D-C3DF-016A3B284A29}"/>
               </a:ext>
             </a:extLst>
           </p:cNvPr>
@@ -10552,7 +10834,7 @@
     </p:spTree>
     <p:extLst>
       <p:ext uri="{BB962C8B-B14F-4D97-AF65-F5344CB8AC3E}">
-        <p14:creationId xmlns:p14="http://schemas.microsoft.com/office/powerpoint/2010/main" val="2227307757"/>
+        <p14:creationId xmlns:p14="http://schemas.microsoft.com/office/powerpoint/2010/main" val="2420623668"/>
       </p:ext>
     </p:extLst>
   </p:cSld>
@@ -10570,7 +10852,7 @@
         <p:cNvPr id="1" name="">
           <a:extLst>
             <a:ext uri="{FF2B5EF4-FFF2-40B4-BE49-F238E27FC236}">
-              <a16:creationId xmlns:a16="http://schemas.microsoft.com/office/drawing/2014/main" id="{46A2A12F-319C-2BB6-7138-3B2A81505A1E}"/>
+              <a16:creationId xmlns:a16="http://schemas.microsoft.com/office/drawing/2014/main" id="{A8893653-9C93-77CF-F84B-6656E92CAD71}"/>
             </a:ext>
           </a:extLst>
         </p:cNvPr>
@@ -10585,12 +10867,59 @@
           <a:chExt cx="0" cy="0"/>
         </a:xfrm>
       </p:grpSpPr>
+      <p:pic>
+        <p:nvPicPr>
+          <p:cNvPr id="1026" name="Picture 2">
+            <a:extLst>
+              <a:ext uri="{FF2B5EF4-FFF2-40B4-BE49-F238E27FC236}">
+                <a16:creationId xmlns:a16="http://schemas.microsoft.com/office/drawing/2014/main" id="{4CEE2034-CFEF-EF99-8EDC-5E60C6136BBD}"/>
+              </a:ext>
+            </a:extLst>
+          </p:cNvPr>
+          <p:cNvPicPr>
+            <a:picLocks noChangeAspect="1" noChangeArrowheads="1"/>
+          </p:cNvPicPr>
+          <p:nvPr/>
+        </p:nvPicPr>
+        <p:blipFill>
+          <a:blip r:embed="rId2">
+            <a:extLst>
+              <a:ext uri="{28A0092B-C50C-407E-A947-70E740481C1C}">
+                <a14:useLocalDpi xmlns:a14="http://schemas.microsoft.com/office/drawing/2010/main" val="0"/>
+              </a:ext>
+            </a:extLst>
+          </a:blip>
+          <a:srcRect/>
+          <a:stretch>
+            <a:fillRect/>
+          </a:stretch>
+        </p:blipFill>
+        <p:spPr bwMode="auto">
+          <a:xfrm>
+            <a:off x="-152400" y="-127524"/>
+            <a:ext cx="19283679" cy="10757424"/>
+          </a:xfrm>
+          <a:prstGeom prst="rect">
+            <a:avLst/>
+          </a:prstGeom>
+          <a:noFill/>
+          <a:extLst>
+            <a:ext uri="{909E8E84-426E-40DD-AFC4-6F175D3DCCD1}">
+              <a14:hiddenFill xmlns:a14="http://schemas.microsoft.com/office/drawing/2010/main">
+                <a:solidFill>
+                  <a:srgbClr val="FFFFFF"/>
+                </a:solidFill>
+              </a14:hiddenFill>
+            </a:ext>
+          </a:extLst>
+        </p:spPr>
+      </p:pic>
       <p:grpSp>
         <p:nvGrpSpPr>
           <p:cNvPr id="4" name="Group 2">
             <a:extLst>
               <a:ext uri="{FF2B5EF4-FFF2-40B4-BE49-F238E27FC236}">
-                <a16:creationId xmlns:a16="http://schemas.microsoft.com/office/drawing/2014/main" id="{3D26AD06-0116-5240-884A-E7A5B4F0379E}"/>
+                <a16:creationId xmlns:a16="http://schemas.microsoft.com/office/drawing/2014/main" id="{72480C8A-5AB9-8163-FAFD-D64D478CB9AB}"/>
               </a:ext>
             </a:extLst>
           </p:cNvPr>
@@ -10610,7 +10939,7 @@
             <p:cNvPr id="5" name="Freeform 3">
               <a:extLst>
                 <a:ext uri="{FF2B5EF4-FFF2-40B4-BE49-F238E27FC236}">
-                  <a16:creationId xmlns:a16="http://schemas.microsoft.com/office/drawing/2014/main" id="{6C7ADC4F-D1E5-2B1A-E773-EEC4983652DF}"/>
+                  <a16:creationId xmlns:a16="http://schemas.microsoft.com/office/drawing/2014/main" id="{6D2F9EE2-0AE3-9417-4038-8FB36445789E}"/>
                 </a:ext>
               </a:extLst>
             </p:cNvPr>
@@ -10718,7 +11047,7 @@
             <p:cNvPr id="6" name="TextBox 4">
               <a:extLst>
                 <a:ext uri="{FF2B5EF4-FFF2-40B4-BE49-F238E27FC236}">
-                  <a16:creationId xmlns:a16="http://schemas.microsoft.com/office/drawing/2014/main" id="{3230ADB7-0AB3-42BA-C368-7CF9411D339E}"/>
+                  <a16:creationId xmlns:a16="http://schemas.microsoft.com/office/drawing/2014/main" id="{8718E0B7-89EE-94A9-9E3C-5DD6E402D1AC}"/>
                 </a:ext>
               </a:extLst>
             </p:cNvPr>
@@ -10756,7 +11085,7 @@
           <p:cNvPr id="7" name="Group 5">
             <a:extLst>
               <a:ext uri="{FF2B5EF4-FFF2-40B4-BE49-F238E27FC236}">
-                <a16:creationId xmlns:a16="http://schemas.microsoft.com/office/drawing/2014/main" id="{5642F9F9-58CB-2576-340A-BAE62DE10EDB}"/>
+                <a16:creationId xmlns:a16="http://schemas.microsoft.com/office/drawing/2014/main" id="{7D79813D-161E-514D-65F2-79022E3A562D}"/>
               </a:ext>
             </a:extLst>
           </p:cNvPr>
@@ -10776,7 +11105,7 @@
             <p:cNvPr id="8" name="Freeform 6">
               <a:extLst>
                 <a:ext uri="{FF2B5EF4-FFF2-40B4-BE49-F238E27FC236}">
-                  <a16:creationId xmlns:a16="http://schemas.microsoft.com/office/drawing/2014/main" id="{563320D3-6E69-DC90-6BEE-1E069D65D7FB}"/>
+                  <a16:creationId xmlns:a16="http://schemas.microsoft.com/office/drawing/2014/main" id="{360932B1-5C7F-F24F-0938-596A3D7339C8}"/>
                 </a:ext>
               </a:extLst>
             </p:cNvPr>
@@ -10864,7 +11193,7 @@
             <p:cNvPr id="9" name="TextBox 7">
               <a:extLst>
                 <a:ext uri="{FF2B5EF4-FFF2-40B4-BE49-F238E27FC236}">
-                  <a16:creationId xmlns:a16="http://schemas.microsoft.com/office/drawing/2014/main" id="{BE0C5D9A-692F-0247-D560-13ECA04A4FD9}"/>
+                  <a16:creationId xmlns:a16="http://schemas.microsoft.com/office/drawing/2014/main" id="{8598188F-DEA8-6277-D4BF-09DB737B8365}"/>
                 </a:ext>
               </a:extLst>
             </p:cNvPr>
@@ -10902,7 +11231,7 @@
           <p:cNvPr id="10" name="Freeform 8">
             <a:extLst>
               <a:ext uri="{FF2B5EF4-FFF2-40B4-BE49-F238E27FC236}">
-                <a16:creationId xmlns:a16="http://schemas.microsoft.com/office/drawing/2014/main" id="{9782CFD1-F93E-7C61-D09D-FF73DB00DF8D}"/>
+                <a16:creationId xmlns:a16="http://schemas.microsoft.com/office/drawing/2014/main" id="{5AAB3708-5F4B-637F-0DEA-6E015233DBA7}"/>
               </a:ext>
             </a:extLst>
           </p:cNvPr>
@@ -10942,10 +11271,10 @@
             </a:pathLst>
           </a:custGeom>
           <a:blipFill>
-            <a:blip r:embed="rId2">
+            <a:blip r:embed="rId3">
               <a:extLst>
                 <a:ext uri="{96DAC541-7B7A-43D3-8B79-37D633B846F1}">
-                  <asvg:svgBlip xmlns:asvg="http://schemas.microsoft.com/office/drawing/2016/SVG/main" r:embed="rId3"/>
+                  <asvg:svgBlip xmlns:asvg="http://schemas.microsoft.com/office/drawing/2016/SVG/main" r:embed="rId4"/>
                 </a:ext>
               </a:extLst>
             </a:blip>
@@ -10967,7 +11296,7 @@
           <p:cNvPr id="11" name="Freeform 9">
             <a:extLst>
               <a:ext uri="{FF2B5EF4-FFF2-40B4-BE49-F238E27FC236}">
-                <a16:creationId xmlns:a16="http://schemas.microsoft.com/office/drawing/2014/main" id="{52224B24-21E2-6006-085B-2A1A5BED3681}"/>
+                <a16:creationId xmlns:a16="http://schemas.microsoft.com/office/drawing/2014/main" id="{1A07704B-19B5-42EA-5520-B371FE92521D}"/>
               </a:ext>
             </a:extLst>
           </p:cNvPr>
@@ -11007,10 +11336,10 @@
             </a:pathLst>
           </a:custGeom>
           <a:blipFill>
-            <a:blip r:embed="rId4">
+            <a:blip r:embed="rId5">
               <a:extLst>
                 <a:ext uri="{96DAC541-7B7A-43D3-8B79-37D633B846F1}">
-                  <asvg:svgBlip xmlns:asvg="http://schemas.microsoft.com/office/drawing/2016/SVG/main" r:embed="rId5"/>
+                  <asvg:svgBlip xmlns:asvg="http://schemas.microsoft.com/office/drawing/2016/SVG/main" r:embed="rId6"/>
                 </a:ext>
               </a:extLst>
             </a:blip>
@@ -11032,7 +11361,7 @@
           <p:cNvPr id="12" name="Group 10">
             <a:extLst>
               <a:ext uri="{FF2B5EF4-FFF2-40B4-BE49-F238E27FC236}">
-                <a16:creationId xmlns:a16="http://schemas.microsoft.com/office/drawing/2014/main" id="{B43DCC99-2206-AE4B-157F-7854092BB859}"/>
+                <a16:creationId xmlns:a16="http://schemas.microsoft.com/office/drawing/2014/main" id="{8F24AC0A-AD07-ADF3-D10A-C9B8AA8207D9}"/>
               </a:ext>
             </a:extLst>
           </p:cNvPr>
@@ -11052,7 +11381,7 @@
             <p:cNvPr id="13" name="Freeform 11">
               <a:extLst>
                 <a:ext uri="{FF2B5EF4-FFF2-40B4-BE49-F238E27FC236}">
-                  <a16:creationId xmlns:a16="http://schemas.microsoft.com/office/drawing/2014/main" id="{D0E01359-9AB1-B4CA-F371-6CE06697276A}"/>
+                  <a16:creationId xmlns:a16="http://schemas.microsoft.com/office/drawing/2014/main" id="{7F6307FC-D46B-10F7-B00F-6F0CD3262C89}"/>
                 </a:ext>
               </a:extLst>
             </p:cNvPr>
@@ -11155,7 +11484,7 @@
             <p:cNvPr id="14" name="TextBox 12">
               <a:extLst>
                 <a:ext uri="{FF2B5EF4-FFF2-40B4-BE49-F238E27FC236}">
-                  <a16:creationId xmlns:a16="http://schemas.microsoft.com/office/drawing/2014/main" id="{04183CD9-D963-A948-B678-69749ED14AC1}"/>
+                  <a16:creationId xmlns:a16="http://schemas.microsoft.com/office/drawing/2014/main" id="{A03FF9FC-5C85-8CAA-AB35-882BF91C919A}"/>
                 </a:ext>
               </a:extLst>
             </p:cNvPr>
@@ -11193,7 +11522,7 @@
           <p:cNvPr id="15" name="Freeform 13">
             <a:extLst>
               <a:ext uri="{FF2B5EF4-FFF2-40B4-BE49-F238E27FC236}">
-                <a16:creationId xmlns:a16="http://schemas.microsoft.com/office/drawing/2014/main" id="{66225337-A7BA-CEE9-115A-3C9918C952A2}"/>
+                <a16:creationId xmlns:a16="http://schemas.microsoft.com/office/drawing/2014/main" id="{842A9394-11AC-939D-B8B7-9E3E30FBD9BC}"/>
               </a:ext>
             </a:extLst>
           </p:cNvPr>
@@ -11233,7 +11562,7 @@
             </a:pathLst>
           </a:custGeom>
           <a:blipFill>
-            <a:blip r:embed="rId6"/>
+            <a:blip r:embed="rId7"/>
             <a:stretch>
               <a:fillRect/>
             </a:stretch>
@@ -11252,7 +11581,7 @@
           <p:cNvPr id="16" name="Group 14">
             <a:extLst>
               <a:ext uri="{FF2B5EF4-FFF2-40B4-BE49-F238E27FC236}">
-                <a16:creationId xmlns:a16="http://schemas.microsoft.com/office/drawing/2014/main" id="{533C3E96-7906-46B9-FA66-0E40AEA9B150}"/>
+                <a16:creationId xmlns:a16="http://schemas.microsoft.com/office/drawing/2014/main" id="{7F393690-063C-F750-7A73-237FC85E9F38}"/>
               </a:ext>
             </a:extLst>
           </p:cNvPr>
@@ -11272,7 +11601,7 @@
             <p:cNvPr id="17" name="Group 15">
               <a:extLst>
                 <a:ext uri="{FF2B5EF4-FFF2-40B4-BE49-F238E27FC236}">
-                  <a16:creationId xmlns:a16="http://schemas.microsoft.com/office/drawing/2014/main" id="{406C4164-A6B4-4E9F-3596-BE4AFF2E416E}"/>
+                  <a16:creationId xmlns:a16="http://schemas.microsoft.com/office/drawing/2014/main" id="{197F3307-1E5F-95FD-5482-2E6E992DD3FD}"/>
                 </a:ext>
               </a:extLst>
             </p:cNvPr>
@@ -11292,7 +11621,7 @@
               <p:cNvPr id="21" name="Freeform 16">
                 <a:extLst>
                   <a:ext uri="{FF2B5EF4-FFF2-40B4-BE49-F238E27FC236}">
-                    <a16:creationId xmlns:a16="http://schemas.microsoft.com/office/drawing/2014/main" id="{896657A0-930B-A7A1-C8F5-09ED0C9120A7}"/>
+                    <a16:creationId xmlns:a16="http://schemas.microsoft.com/office/drawing/2014/main" id="{D15E051B-95DE-C239-406C-F19B110795A8}"/>
                   </a:ext>
                 </a:extLst>
               </p:cNvPr>
@@ -11395,7 +11724,7 @@
               <p:cNvPr id="22" name="TextBox 17">
                 <a:extLst>
                   <a:ext uri="{FF2B5EF4-FFF2-40B4-BE49-F238E27FC236}">
-                    <a16:creationId xmlns:a16="http://schemas.microsoft.com/office/drawing/2014/main" id="{C9AF96B5-255E-7E14-80F3-8096DBB9ABBD}"/>
+                    <a16:creationId xmlns:a16="http://schemas.microsoft.com/office/drawing/2014/main" id="{E8ED690B-40D1-E285-0B10-20BF2BFC9EF3}"/>
                   </a:ext>
                 </a:extLst>
               </p:cNvPr>
@@ -11433,7 +11762,7 @@
             <p:cNvPr id="18" name="Picture 18">
               <a:extLst>
                 <a:ext uri="{FF2B5EF4-FFF2-40B4-BE49-F238E27FC236}">
-                  <a16:creationId xmlns:a16="http://schemas.microsoft.com/office/drawing/2014/main" id="{93EC8231-A780-7450-51BE-EE19112349BB}"/>
+                  <a16:creationId xmlns:a16="http://schemas.microsoft.com/office/drawing/2014/main" id="{2604FEE8-ECBB-B190-98D5-8BAD5F531B69}"/>
                 </a:ext>
               </a:extLst>
             </p:cNvPr>
@@ -11443,7 +11772,7 @@
             <p:nvPr/>
           </p:nvPicPr>
           <p:blipFill>
-            <a:blip r:embed="rId7"/>
+            <a:blip r:embed="rId8"/>
             <a:srcRect/>
             <a:stretch>
               <a:fillRect/>
@@ -11464,7 +11793,7 @@
             <p:cNvPr id="19" name="Picture 19">
               <a:extLst>
                 <a:ext uri="{FF2B5EF4-FFF2-40B4-BE49-F238E27FC236}">
-                  <a16:creationId xmlns:a16="http://schemas.microsoft.com/office/drawing/2014/main" id="{D7675AC2-B591-2867-6DEF-5EC21CCD1E28}"/>
+                  <a16:creationId xmlns:a16="http://schemas.microsoft.com/office/drawing/2014/main" id="{00B8123E-AA41-358E-7F46-3D9FB6019515}"/>
                 </a:ext>
               </a:extLst>
             </p:cNvPr>
@@ -11474,7 +11803,7 @@
             <p:nvPr/>
           </p:nvPicPr>
           <p:blipFill>
-            <a:blip r:embed="rId7"/>
+            <a:blip r:embed="rId8"/>
             <a:srcRect/>
             <a:stretch>
               <a:fillRect/>
@@ -11495,7 +11824,7 @@
             <p:cNvPr id="20" name="TextBox 20">
               <a:extLst>
                 <a:ext uri="{FF2B5EF4-FFF2-40B4-BE49-F238E27FC236}">
-                  <a16:creationId xmlns:a16="http://schemas.microsoft.com/office/drawing/2014/main" id="{877CCF02-12FA-1871-90E5-4649C24C021A}"/>
+                  <a16:creationId xmlns:a16="http://schemas.microsoft.com/office/drawing/2014/main" id="{1B0C3C1D-7B68-8BD6-DA3D-6DF91FB2D15E}"/>
                 </a:ext>
               </a:extLst>
             </p:cNvPr>
@@ -11546,7 +11875,7 @@
           <p:cNvPr id="23" name="TextBox 22">
             <a:extLst>
               <a:ext uri="{FF2B5EF4-FFF2-40B4-BE49-F238E27FC236}">
-                <a16:creationId xmlns:a16="http://schemas.microsoft.com/office/drawing/2014/main" id="{6E6370A2-15ED-C2F1-746E-0762FF3E9368}"/>
+                <a16:creationId xmlns:a16="http://schemas.microsoft.com/office/drawing/2014/main" id="{26B175BA-DAAE-0534-797A-3325454CE6DF}"/>
               </a:ext>
             </a:extLst>
           </p:cNvPr>
@@ -11596,7 +11925,7 @@
           <p:cNvPr id="24" name="TextBox 23">
             <a:extLst>
               <a:ext uri="{FF2B5EF4-FFF2-40B4-BE49-F238E27FC236}">
-                <a16:creationId xmlns:a16="http://schemas.microsoft.com/office/drawing/2014/main" id="{3A9658AE-9609-5F05-21F3-9F3FA7EA7E83}"/>
+                <a16:creationId xmlns:a16="http://schemas.microsoft.com/office/drawing/2014/main" id="{A099A14A-D059-73AB-D532-4D34CD6AD7EE}"/>
               </a:ext>
             </a:extLst>
           </p:cNvPr>
@@ -11646,7 +11975,7 @@
           <p:cNvPr id="25" name="TextBox 24">
             <a:extLst>
               <a:ext uri="{FF2B5EF4-FFF2-40B4-BE49-F238E27FC236}">
-                <a16:creationId xmlns:a16="http://schemas.microsoft.com/office/drawing/2014/main" id="{842F7DFD-231B-D661-6F3C-46941E038AE8}"/>
+                <a16:creationId xmlns:a16="http://schemas.microsoft.com/office/drawing/2014/main" id="{5EB06B86-7FFB-D159-CD67-1A74DD60A3BA}"/>
               </a:ext>
             </a:extLst>
           </p:cNvPr>
@@ -11696,7 +12025,7 @@
           <p:cNvPr id="26" name="TextBox 25">
             <a:extLst>
               <a:ext uri="{FF2B5EF4-FFF2-40B4-BE49-F238E27FC236}">
-                <a16:creationId xmlns:a16="http://schemas.microsoft.com/office/drawing/2014/main" id="{AFF21883-C1A8-9CA1-92FB-F41F5D030E8A}"/>
+                <a16:creationId xmlns:a16="http://schemas.microsoft.com/office/drawing/2014/main" id="{93CB7556-9242-69B1-0EE9-8526D72BEE99}"/>
               </a:ext>
             </a:extLst>
           </p:cNvPr>
@@ -11746,7 +12075,7 @@
           <p:cNvPr id="33" name="Title 1">
             <a:extLst>
               <a:ext uri="{FF2B5EF4-FFF2-40B4-BE49-F238E27FC236}">
-                <a16:creationId xmlns:a16="http://schemas.microsoft.com/office/drawing/2014/main" id="{4BD6CEE9-7E01-266E-F2F4-CE3BCF9609A4}"/>
+                <a16:creationId xmlns:a16="http://schemas.microsoft.com/office/drawing/2014/main" id="{50E75F4A-2040-4D6F-9810-5F9D895696D8}"/>
               </a:ext>
             </a:extLst>
           </p:cNvPr>
@@ -11776,7 +12105,7 @@
           <p:cNvPr id="34" name="Content Placeholder 2">
             <a:extLst>
               <a:ext uri="{FF2B5EF4-FFF2-40B4-BE49-F238E27FC236}">
-                <a16:creationId xmlns:a16="http://schemas.microsoft.com/office/drawing/2014/main" id="{6710BA64-A8B7-2AA2-2C22-66F5ECC6CF89}"/>
+                <a16:creationId xmlns:a16="http://schemas.microsoft.com/office/drawing/2014/main" id="{82EAA591-FF52-5C1F-340E-76E02FA8F4CC}"/>
               </a:ext>
             </a:extLst>
           </p:cNvPr>
@@ -11804,7 +12133,7 @@
     </p:spTree>
     <p:extLst>
       <p:ext uri="{BB962C8B-B14F-4D97-AF65-F5344CB8AC3E}">
-        <p14:creationId xmlns:p14="http://schemas.microsoft.com/office/powerpoint/2010/main" val="3020918257"/>
+        <p14:creationId xmlns:p14="http://schemas.microsoft.com/office/powerpoint/2010/main" val="3345230690"/>
       </p:ext>
     </p:extLst>
   </p:cSld>
@@ -11822,7 +12151,7 @@
         <p:cNvPr id="1" name="">
           <a:extLst>
             <a:ext uri="{FF2B5EF4-FFF2-40B4-BE49-F238E27FC236}">
-              <a16:creationId xmlns:a16="http://schemas.microsoft.com/office/drawing/2014/main" id="{E1322480-F618-1708-4279-140D6E53ADC0}"/>
+              <a16:creationId xmlns:a16="http://schemas.microsoft.com/office/drawing/2014/main" id="{40F7E3C7-D0E4-F77A-3809-678DCD257C62}"/>
             </a:ext>
           </a:extLst>
         </p:cNvPr>
@@ -11837,12 +12166,59 @@
           <a:chExt cx="0" cy="0"/>
         </a:xfrm>
       </p:grpSpPr>
+      <p:pic>
+        <p:nvPicPr>
+          <p:cNvPr id="1026" name="Picture 2">
+            <a:extLst>
+              <a:ext uri="{FF2B5EF4-FFF2-40B4-BE49-F238E27FC236}">
+                <a16:creationId xmlns:a16="http://schemas.microsoft.com/office/drawing/2014/main" id="{C1CFD761-9360-0227-EBFC-53A5EB03CA2C}"/>
+              </a:ext>
+            </a:extLst>
+          </p:cNvPr>
+          <p:cNvPicPr>
+            <a:picLocks noChangeAspect="1" noChangeArrowheads="1"/>
+          </p:cNvPicPr>
+          <p:nvPr/>
+        </p:nvPicPr>
+        <p:blipFill>
+          <a:blip r:embed="rId2">
+            <a:extLst>
+              <a:ext uri="{28A0092B-C50C-407E-A947-70E740481C1C}">
+                <a14:useLocalDpi xmlns:a14="http://schemas.microsoft.com/office/drawing/2010/main" val="0"/>
+              </a:ext>
+            </a:extLst>
+          </a:blip>
+          <a:srcRect/>
+          <a:stretch>
+            <a:fillRect/>
+          </a:stretch>
+        </p:blipFill>
+        <p:spPr bwMode="auto">
+          <a:xfrm>
+            <a:off x="-152400" y="-127524"/>
+            <a:ext cx="19283679" cy="10757424"/>
+          </a:xfrm>
+          <a:prstGeom prst="rect">
+            <a:avLst/>
+          </a:prstGeom>
+          <a:noFill/>
+          <a:extLst>
+            <a:ext uri="{909E8E84-426E-40DD-AFC4-6F175D3DCCD1}">
+              <a14:hiddenFill xmlns:a14="http://schemas.microsoft.com/office/drawing/2010/main">
+                <a:solidFill>
+                  <a:srgbClr val="FFFFFF"/>
+                </a:solidFill>
+              </a14:hiddenFill>
+            </a:ext>
+          </a:extLst>
+        </p:spPr>
+      </p:pic>
       <p:grpSp>
         <p:nvGrpSpPr>
           <p:cNvPr id="4" name="Group 2">
             <a:extLst>
               <a:ext uri="{FF2B5EF4-FFF2-40B4-BE49-F238E27FC236}">
-                <a16:creationId xmlns:a16="http://schemas.microsoft.com/office/drawing/2014/main" id="{A326C119-C580-80E2-1F2D-3A2F15FBD327}"/>
+                <a16:creationId xmlns:a16="http://schemas.microsoft.com/office/drawing/2014/main" id="{417E4785-4D0F-4EB6-52DD-459A4A07AF29}"/>
               </a:ext>
             </a:extLst>
           </p:cNvPr>
@@ -11862,7 +12238,7 @@
             <p:cNvPr id="5" name="Freeform 3">
               <a:extLst>
                 <a:ext uri="{FF2B5EF4-FFF2-40B4-BE49-F238E27FC236}">
-                  <a16:creationId xmlns:a16="http://schemas.microsoft.com/office/drawing/2014/main" id="{2E5133AC-EE49-4B21-DEA6-1D72AA1E5181}"/>
+                  <a16:creationId xmlns:a16="http://schemas.microsoft.com/office/drawing/2014/main" id="{B53010D6-1C74-0836-CCC9-0BEF581E663C}"/>
                 </a:ext>
               </a:extLst>
             </p:cNvPr>
@@ -11970,7 +12346,7 @@
             <p:cNvPr id="6" name="TextBox 4">
               <a:extLst>
                 <a:ext uri="{FF2B5EF4-FFF2-40B4-BE49-F238E27FC236}">
-                  <a16:creationId xmlns:a16="http://schemas.microsoft.com/office/drawing/2014/main" id="{143F78B1-5B1D-CF60-EAD5-1A9FAB19BAA9}"/>
+                  <a16:creationId xmlns:a16="http://schemas.microsoft.com/office/drawing/2014/main" id="{B52141FF-8852-3DEA-C106-39D96793E5B3}"/>
                 </a:ext>
               </a:extLst>
             </p:cNvPr>
@@ -12008,7 +12384,7 @@
           <p:cNvPr id="7" name="Group 5">
             <a:extLst>
               <a:ext uri="{FF2B5EF4-FFF2-40B4-BE49-F238E27FC236}">
-                <a16:creationId xmlns:a16="http://schemas.microsoft.com/office/drawing/2014/main" id="{CBAC2836-1BB9-89BF-C8BE-A480E5C1253A}"/>
+                <a16:creationId xmlns:a16="http://schemas.microsoft.com/office/drawing/2014/main" id="{26EAAE2D-0C16-D30F-E9DF-A72C41BDA4BC}"/>
               </a:ext>
             </a:extLst>
           </p:cNvPr>
@@ -12028,7 +12404,7 @@
             <p:cNvPr id="8" name="Freeform 6">
               <a:extLst>
                 <a:ext uri="{FF2B5EF4-FFF2-40B4-BE49-F238E27FC236}">
-                  <a16:creationId xmlns:a16="http://schemas.microsoft.com/office/drawing/2014/main" id="{FA46A69C-1C75-C9E7-B5D2-E2AC87649C85}"/>
+                  <a16:creationId xmlns:a16="http://schemas.microsoft.com/office/drawing/2014/main" id="{7F8EC98B-A46D-EF95-7CF9-AF0DF2578700}"/>
                 </a:ext>
               </a:extLst>
             </p:cNvPr>
@@ -12116,7 +12492,7 @@
             <p:cNvPr id="9" name="TextBox 7">
               <a:extLst>
                 <a:ext uri="{FF2B5EF4-FFF2-40B4-BE49-F238E27FC236}">
-                  <a16:creationId xmlns:a16="http://schemas.microsoft.com/office/drawing/2014/main" id="{4D22BD3D-70C3-D112-5DF5-4D14B48D79A3}"/>
+                  <a16:creationId xmlns:a16="http://schemas.microsoft.com/office/drawing/2014/main" id="{1EE5632F-4BA6-608E-9E7D-7CCBDC9B8024}"/>
                 </a:ext>
               </a:extLst>
             </p:cNvPr>
@@ -12154,7 +12530,7 @@
           <p:cNvPr id="10" name="Freeform 8">
             <a:extLst>
               <a:ext uri="{FF2B5EF4-FFF2-40B4-BE49-F238E27FC236}">
-                <a16:creationId xmlns:a16="http://schemas.microsoft.com/office/drawing/2014/main" id="{4871BBF1-E0B3-E833-79C2-2184978DEA4F}"/>
+                <a16:creationId xmlns:a16="http://schemas.microsoft.com/office/drawing/2014/main" id="{049EDA1B-BC97-C296-8D14-057DB48C59E7}"/>
               </a:ext>
             </a:extLst>
           </p:cNvPr>
@@ -12194,10 +12570,10 @@
             </a:pathLst>
           </a:custGeom>
           <a:blipFill>
-            <a:blip r:embed="rId2">
+            <a:blip r:embed="rId3">
               <a:extLst>
                 <a:ext uri="{96DAC541-7B7A-43D3-8B79-37D633B846F1}">
-                  <asvg:svgBlip xmlns:asvg="http://schemas.microsoft.com/office/drawing/2016/SVG/main" r:embed="rId3"/>
+                  <asvg:svgBlip xmlns:asvg="http://schemas.microsoft.com/office/drawing/2016/SVG/main" r:embed="rId4"/>
                 </a:ext>
               </a:extLst>
             </a:blip>
@@ -12219,7 +12595,7 @@
           <p:cNvPr id="11" name="Freeform 9">
             <a:extLst>
               <a:ext uri="{FF2B5EF4-FFF2-40B4-BE49-F238E27FC236}">
-                <a16:creationId xmlns:a16="http://schemas.microsoft.com/office/drawing/2014/main" id="{46A7FD36-D6AA-2BBE-26DD-FB4C2B2945EF}"/>
+                <a16:creationId xmlns:a16="http://schemas.microsoft.com/office/drawing/2014/main" id="{340ED905-E63E-F33A-EFDE-18F68335DC9E}"/>
               </a:ext>
             </a:extLst>
           </p:cNvPr>
@@ -12259,10 +12635,10 @@
             </a:pathLst>
           </a:custGeom>
           <a:blipFill>
-            <a:blip r:embed="rId4">
+            <a:blip r:embed="rId5">
               <a:extLst>
                 <a:ext uri="{96DAC541-7B7A-43D3-8B79-37D633B846F1}">
-                  <asvg:svgBlip xmlns:asvg="http://schemas.microsoft.com/office/drawing/2016/SVG/main" r:embed="rId5"/>
+                  <asvg:svgBlip xmlns:asvg="http://schemas.microsoft.com/office/drawing/2016/SVG/main" r:embed="rId6"/>
                 </a:ext>
               </a:extLst>
             </a:blip>
@@ -12284,7 +12660,7 @@
           <p:cNvPr id="12" name="Group 10">
             <a:extLst>
               <a:ext uri="{FF2B5EF4-FFF2-40B4-BE49-F238E27FC236}">
-                <a16:creationId xmlns:a16="http://schemas.microsoft.com/office/drawing/2014/main" id="{7DCFBFF8-CE32-E46D-636C-17A2D27796AA}"/>
+                <a16:creationId xmlns:a16="http://schemas.microsoft.com/office/drawing/2014/main" id="{760B1497-6B24-D982-C3CB-3FB6BD324EFA}"/>
               </a:ext>
             </a:extLst>
           </p:cNvPr>
@@ -12304,7 +12680,7 @@
             <p:cNvPr id="13" name="Freeform 11">
               <a:extLst>
                 <a:ext uri="{FF2B5EF4-FFF2-40B4-BE49-F238E27FC236}">
-                  <a16:creationId xmlns:a16="http://schemas.microsoft.com/office/drawing/2014/main" id="{9BE7FEEB-A3A2-98F6-9EC2-68A88F16C579}"/>
+                  <a16:creationId xmlns:a16="http://schemas.microsoft.com/office/drawing/2014/main" id="{3B33ED4A-9B1A-4B48-1722-1367BF70A133}"/>
                 </a:ext>
               </a:extLst>
             </p:cNvPr>
@@ -12407,7 +12783,7 @@
             <p:cNvPr id="14" name="TextBox 12">
               <a:extLst>
                 <a:ext uri="{FF2B5EF4-FFF2-40B4-BE49-F238E27FC236}">
-                  <a16:creationId xmlns:a16="http://schemas.microsoft.com/office/drawing/2014/main" id="{9986E278-FB00-81C1-58CE-050FE8C03658}"/>
+                  <a16:creationId xmlns:a16="http://schemas.microsoft.com/office/drawing/2014/main" id="{AA70FB04-44D5-85D8-3139-E9DE83D17343}"/>
                 </a:ext>
               </a:extLst>
             </p:cNvPr>
@@ -12445,7 +12821,7 @@
           <p:cNvPr id="15" name="Freeform 13">
             <a:extLst>
               <a:ext uri="{FF2B5EF4-FFF2-40B4-BE49-F238E27FC236}">
-                <a16:creationId xmlns:a16="http://schemas.microsoft.com/office/drawing/2014/main" id="{C4977900-9A5B-BA09-FDDD-36F876F0008F}"/>
+                <a16:creationId xmlns:a16="http://schemas.microsoft.com/office/drawing/2014/main" id="{3809F6A0-6A56-E0FD-12B5-9BEAEFFC310A}"/>
               </a:ext>
             </a:extLst>
           </p:cNvPr>
@@ -12485,7 +12861,7 @@
             </a:pathLst>
           </a:custGeom>
           <a:blipFill>
-            <a:blip r:embed="rId6"/>
+            <a:blip r:embed="rId7"/>
             <a:stretch>
               <a:fillRect/>
             </a:stretch>
@@ -12504,7 +12880,7 @@
           <p:cNvPr id="16" name="Group 14">
             <a:extLst>
               <a:ext uri="{FF2B5EF4-FFF2-40B4-BE49-F238E27FC236}">
-                <a16:creationId xmlns:a16="http://schemas.microsoft.com/office/drawing/2014/main" id="{9B74AE82-99B9-03A7-79EC-EC7F496CC701}"/>
+                <a16:creationId xmlns:a16="http://schemas.microsoft.com/office/drawing/2014/main" id="{27C3BE9A-1B39-5AB3-F520-932CC60067F1}"/>
               </a:ext>
             </a:extLst>
           </p:cNvPr>
@@ -12524,7 +12900,7 @@
             <p:cNvPr id="17" name="Group 15">
               <a:extLst>
                 <a:ext uri="{FF2B5EF4-FFF2-40B4-BE49-F238E27FC236}">
-                  <a16:creationId xmlns:a16="http://schemas.microsoft.com/office/drawing/2014/main" id="{7C757525-66A2-AC10-1258-5C1605625637}"/>
+                  <a16:creationId xmlns:a16="http://schemas.microsoft.com/office/drawing/2014/main" id="{DD02D97A-8FD4-161B-28EF-7A84EC6388DE}"/>
                 </a:ext>
               </a:extLst>
             </p:cNvPr>
@@ -12544,7 +12920,7 @@
               <p:cNvPr id="21" name="Freeform 16">
                 <a:extLst>
                   <a:ext uri="{FF2B5EF4-FFF2-40B4-BE49-F238E27FC236}">
-                    <a16:creationId xmlns:a16="http://schemas.microsoft.com/office/drawing/2014/main" id="{EE3C238E-838C-B791-5F95-A264EA99CCCF}"/>
+                    <a16:creationId xmlns:a16="http://schemas.microsoft.com/office/drawing/2014/main" id="{F72D3EBC-1F46-F5EC-F983-15C3EDA1D09C}"/>
                   </a:ext>
                 </a:extLst>
               </p:cNvPr>
@@ -12647,7 +13023,7 @@
               <p:cNvPr id="22" name="TextBox 17">
                 <a:extLst>
                   <a:ext uri="{FF2B5EF4-FFF2-40B4-BE49-F238E27FC236}">
-                    <a16:creationId xmlns:a16="http://schemas.microsoft.com/office/drawing/2014/main" id="{27E26CB4-44D1-416C-0F76-27DA8AD61213}"/>
+                    <a16:creationId xmlns:a16="http://schemas.microsoft.com/office/drawing/2014/main" id="{8FDAFB43-F6EB-6210-0D00-69CC04F0F8EA}"/>
                   </a:ext>
                 </a:extLst>
               </p:cNvPr>
@@ -12685,7 +13061,7 @@
             <p:cNvPr id="18" name="Picture 18">
               <a:extLst>
                 <a:ext uri="{FF2B5EF4-FFF2-40B4-BE49-F238E27FC236}">
-                  <a16:creationId xmlns:a16="http://schemas.microsoft.com/office/drawing/2014/main" id="{87E110C4-DE4E-5F90-4529-021480AE39B8}"/>
+                  <a16:creationId xmlns:a16="http://schemas.microsoft.com/office/drawing/2014/main" id="{5C4FDD8C-D390-44F1-505D-1649C0F54E53}"/>
                 </a:ext>
               </a:extLst>
             </p:cNvPr>
@@ -12695,7 +13071,7 @@
             <p:nvPr/>
           </p:nvPicPr>
           <p:blipFill>
-            <a:blip r:embed="rId7"/>
+            <a:blip r:embed="rId8"/>
             <a:srcRect/>
             <a:stretch>
               <a:fillRect/>
@@ -12716,7 +13092,7 @@
             <p:cNvPr id="19" name="Picture 19">
               <a:extLst>
                 <a:ext uri="{FF2B5EF4-FFF2-40B4-BE49-F238E27FC236}">
-                  <a16:creationId xmlns:a16="http://schemas.microsoft.com/office/drawing/2014/main" id="{07E18165-AD7D-D58F-6B60-9C86393C24EA}"/>
+                  <a16:creationId xmlns:a16="http://schemas.microsoft.com/office/drawing/2014/main" id="{0EA13144-46D0-D63D-D1D0-D6CF6EC600C8}"/>
                 </a:ext>
               </a:extLst>
             </p:cNvPr>
@@ -12726,7 +13102,7 @@
             <p:nvPr/>
           </p:nvPicPr>
           <p:blipFill>
-            <a:blip r:embed="rId7"/>
+            <a:blip r:embed="rId8"/>
             <a:srcRect/>
             <a:stretch>
               <a:fillRect/>
@@ -12747,7 +13123,7 @@
             <p:cNvPr id="20" name="TextBox 20">
               <a:extLst>
                 <a:ext uri="{FF2B5EF4-FFF2-40B4-BE49-F238E27FC236}">
-                  <a16:creationId xmlns:a16="http://schemas.microsoft.com/office/drawing/2014/main" id="{05372020-04BC-43FE-9F77-EF5088C64383}"/>
+                  <a16:creationId xmlns:a16="http://schemas.microsoft.com/office/drawing/2014/main" id="{5CB9B0C5-ED72-F885-91C6-CE61CCDC9777}"/>
                 </a:ext>
               </a:extLst>
             </p:cNvPr>
@@ -12798,7 +13174,7 @@
           <p:cNvPr id="23" name="TextBox 22">
             <a:extLst>
               <a:ext uri="{FF2B5EF4-FFF2-40B4-BE49-F238E27FC236}">
-                <a16:creationId xmlns:a16="http://schemas.microsoft.com/office/drawing/2014/main" id="{520647FD-6D2F-ECAC-931B-411416A4AE43}"/>
+                <a16:creationId xmlns:a16="http://schemas.microsoft.com/office/drawing/2014/main" id="{A34D0EC7-D64C-9D5D-5592-1A8DB7E3991C}"/>
               </a:ext>
             </a:extLst>
           </p:cNvPr>
@@ -12848,7 +13224,7 @@
           <p:cNvPr id="24" name="TextBox 23">
             <a:extLst>
               <a:ext uri="{FF2B5EF4-FFF2-40B4-BE49-F238E27FC236}">
-                <a16:creationId xmlns:a16="http://schemas.microsoft.com/office/drawing/2014/main" id="{6367A067-87BE-113C-FE9D-F6FA9B00858C}"/>
+                <a16:creationId xmlns:a16="http://schemas.microsoft.com/office/drawing/2014/main" id="{ED4D7308-3137-F83F-1758-8CCE817FB8E2}"/>
               </a:ext>
             </a:extLst>
           </p:cNvPr>
@@ -12898,7 +13274,7 @@
           <p:cNvPr id="25" name="TextBox 24">
             <a:extLst>
               <a:ext uri="{FF2B5EF4-FFF2-40B4-BE49-F238E27FC236}">
-                <a16:creationId xmlns:a16="http://schemas.microsoft.com/office/drawing/2014/main" id="{2D9DAAAC-8755-3EF0-5360-66B5B16BAD80}"/>
+                <a16:creationId xmlns:a16="http://schemas.microsoft.com/office/drawing/2014/main" id="{7A885337-3487-2704-DA60-1F293083CF81}"/>
               </a:ext>
             </a:extLst>
           </p:cNvPr>
@@ -12948,7 +13324,7 @@
           <p:cNvPr id="26" name="TextBox 25">
             <a:extLst>
               <a:ext uri="{FF2B5EF4-FFF2-40B4-BE49-F238E27FC236}">
-                <a16:creationId xmlns:a16="http://schemas.microsoft.com/office/drawing/2014/main" id="{BE66FB0E-CE0C-9947-ED05-2336F52D9EC3}"/>
+                <a16:creationId xmlns:a16="http://schemas.microsoft.com/office/drawing/2014/main" id="{D8E348CE-2F3F-AE72-0255-C2130757DE86}"/>
               </a:ext>
             </a:extLst>
           </p:cNvPr>
@@ -12998,7 +13374,7 @@
           <p:cNvPr id="33" name="Title 1">
             <a:extLst>
               <a:ext uri="{FF2B5EF4-FFF2-40B4-BE49-F238E27FC236}">
-                <a16:creationId xmlns:a16="http://schemas.microsoft.com/office/drawing/2014/main" id="{55B1749F-5DDF-FE26-D5F5-F7E56DBF94B0}"/>
+                <a16:creationId xmlns:a16="http://schemas.microsoft.com/office/drawing/2014/main" id="{FDF912B7-5E6B-1D1E-0359-31C5B0542CD8}"/>
               </a:ext>
             </a:extLst>
           </p:cNvPr>
@@ -13028,7 +13404,7 @@
           <p:cNvPr id="34" name="Content Placeholder 2">
             <a:extLst>
               <a:ext uri="{FF2B5EF4-FFF2-40B4-BE49-F238E27FC236}">
-                <a16:creationId xmlns:a16="http://schemas.microsoft.com/office/drawing/2014/main" id="{22039275-F05F-2B47-255A-A8E159E361D3}"/>
+                <a16:creationId xmlns:a16="http://schemas.microsoft.com/office/drawing/2014/main" id="{7E4BF4D0-590D-A018-927B-9DD30AF248FA}"/>
               </a:ext>
             </a:extLst>
           </p:cNvPr>
@@ -13056,7 +13432,7 @@
     </p:spTree>
     <p:extLst>
       <p:ext uri="{BB962C8B-B14F-4D97-AF65-F5344CB8AC3E}">
-        <p14:creationId xmlns:p14="http://schemas.microsoft.com/office/powerpoint/2010/main" val="3880884228"/>
+        <p14:creationId xmlns:p14="http://schemas.microsoft.com/office/powerpoint/2010/main" val="2274092265"/>
       </p:ext>
     </p:extLst>
   </p:cSld>
@@ -13074,7 +13450,7 @@
         <p:cNvPr id="1" name="">
           <a:extLst>
             <a:ext uri="{FF2B5EF4-FFF2-40B4-BE49-F238E27FC236}">
-              <a16:creationId xmlns:a16="http://schemas.microsoft.com/office/drawing/2014/main" id="{B805202B-DB99-DA5C-363A-F42DE016FC84}"/>
+              <a16:creationId xmlns:a16="http://schemas.microsoft.com/office/drawing/2014/main" id="{01B367EC-3D84-DF84-A690-E4A68B74369B}"/>
             </a:ext>
           </a:extLst>
         </p:cNvPr>
@@ -13089,12 +13465,59 @@
           <a:chExt cx="0" cy="0"/>
         </a:xfrm>
       </p:grpSpPr>
+      <p:pic>
+        <p:nvPicPr>
+          <p:cNvPr id="1026" name="Picture 2">
+            <a:extLst>
+              <a:ext uri="{FF2B5EF4-FFF2-40B4-BE49-F238E27FC236}">
+                <a16:creationId xmlns:a16="http://schemas.microsoft.com/office/drawing/2014/main" id="{379DA3D8-C908-EAB2-0E37-285726929BDC}"/>
+              </a:ext>
+            </a:extLst>
+          </p:cNvPr>
+          <p:cNvPicPr>
+            <a:picLocks noChangeAspect="1" noChangeArrowheads="1"/>
+          </p:cNvPicPr>
+          <p:nvPr/>
+        </p:nvPicPr>
+        <p:blipFill>
+          <a:blip r:embed="rId2">
+            <a:extLst>
+              <a:ext uri="{28A0092B-C50C-407E-A947-70E740481C1C}">
+                <a14:useLocalDpi xmlns:a14="http://schemas.microsoft.com/office/drawing/2010/main" val="0"/>
+              </a:ext>
+            </a:extLst>
+          </a:blip>
+          <a:srcRect/>
+          <a:stretch>
+            <a:fillRect/>
+          </a:stretch>
+        </p:blipFill>
+        <p:spPr bwMode="auto">
+          <a:xfrm>
+            <a:off x="-152400" y="-127524"/>
+            <a:ext cx="19283679" cy="10757424"/>
+          </a:xfrm>
+          <a:prstGeom prst="rect">
+            <a:avLst/>
+          </a:prstGeom>
+          <a:noFill/>
+          <a:extLst>
+            <a:ext uri="{909E8E84-426E-40DD-AFC4-6F175D3DCCD1}">
+              <a14:hiddenFill xmlns:a14="http://schemas.microsoft.com/office/drawing/2010/main">
+                <a:solidFill>
+                  <a:srgbClr val="FFFFFF"/>
+                </a:solidFill>
+              </a14:hiddenFill>
+            </a:ext>
+          </a:extLst>
+        </p:spPr>
+      </p:pic>
       <p:grpSp>
         <p:nvGrpSpPr>
           <p:cNvPr id="4" name="Group 2">
             <a:extLst>
               <a:ext uri="{FF2B5EF4-FFF2-40B4-BE49-F238E27FC236}">
-                <a16:creationId xmlns:a16="http://schemas.microsoft.com/office/drawing/2014/main" id="{664B9CA2-5837-3F19-6DD0-6C0FA457AD24}"/>
+                <a16:creationId xmlns:a16="http://schemas.microsoft.com/office/drawing/2014/main" id="{03D5A1A1-F4A6-7896-94C6-CF1CFD206172}"/>
               </a:ext>
             </a:extLst>
           </p:cNvPr>
@@ -13114,7 +13537,7 @@
             <p:cNvPr id="5" name="Freeform 3">
               <a:extLst>
                 <a:ext uri="{FF2B5EF4-FFF2-40B4-BE49-F238E27FC236}">
-                  <a16:creationId xmlns:a16="http://schemas.microsoft.com/office/drawing/2014/main" id="{5267D1D5-7BD7-3522-6696-507854973405}"/>
+                  <a16:creationId xmlns:a16="http://schemas.microsoft.com/office/drawing/2014/main" id="{5C33B185-4371-853E-97C3-5667D359C9A7}"/>
                 </a:ext>
               </a:extLst>
             </p:cNvPr>
@@ -13222,7 +13645,7 @@
             <p:cNvPr id="6" name="TextBox 4">
               <a:extLst>
                 <a:ext uri="{FF2B5EF4-FFF2-40B4-BE49-F238E27FC236}">
-                  <a16:creationId xmlns:a16="http://schemas.microsoft.com/office/drawing/2014/main" id="{3FBD8DE7-AE02-BFC6-1DA9-4B72F38372F1}"/>
+                  <a16:creationId xmlns:a16="http://schemas.microsoft.com/office/drawing/2014/main" id="{37DD358F-8F85-0C73-5388-DD00981CEB63}"/>
                 </a:ext>
               </a:extLst>
             </p:cNvPr>
@@ -13260,7 +13683,7 @@
           <p:cNvPr id="7" name="Group 5">
             <a:extLst>
               <a:ext uri="{FF2B5EF4-FFF2-40B4-BE49-F238E27FC236}">
-                <a16:creationId xmlns:a16="http://schemas.microsoft.com/office/drawing/2014/main" id="{96A6E608-BEA2-26E8-D447-E63C09779FF4}"/>
+                <a16:creationId xmlns:a16="http://schemas.microsoft.com/office/drawing/2014/main" id="{E73936BD-B6C1-3750-1816-235E51D9A006}"/>
               </a:ext>
             </a:extLst>
           </p:cNvPr>
@@ -13280,7 +13703,7 @@
             <p:cNvPr id="8" name="Freeform 6">
               <a:extLst>
                 <a:ext uri="{FF2B5EF4-FFF2-40B4-BE49-F238E27FC236}">
-                  <a16:creationId xmlns:a16="http://schemas.microsoft.com/office/drawing/2014/main" id="{6340877B-0C9E-EE28-EEAE-203FF91E29DE}"/>
+                  <a16:creationId xmlns:a16="http://schemas.microsoft.com/office/drawing/2014/main" id="{714E53D0-6235-8D16-AB2D-74B8AE51AD82}"/>
                 </a:ext>
               </a:extLst>
             </p:cNvPr>
@@ -13368,7 +13791,7 @@
             <p:cNvPr id="9" name="TextBox 7">
               <a:extLst>
                 <a:ext uri="{FF2B5EF4-FFF2-40B4-BE49-F238E27FC236}">
-                  <a16:creationId xmlns:a16="http://schemas.microsoft.com/office/drawing/2014/main" id="{A46E0871-BBD6-8291-0BB0-7EA854AA5574}"/>
+                  <a16:creationId xmlns:a16="http://schemas.microsoft.com/office/drawing/2014/main" id="{84926C0B-2A9C-DCA8-8A9A-D7C2D703D65C}"/>
                 </a:ext>
               </a:extLst>
             </p:cNvPr>
@@ -13406,7 +13829,7 @@
           <p:cNvPr id="10" name="Freeform 8">
             <a:extLst>
               <a:ext uri="{FF2B5EF4-FFF2-40B4-BE49-F238E27FC236}">
-                <a16:creationId xmlns:a16="http://schemas.microsoft.com/office/drawing/2014/main" id="{5C1BD20B-2219-4E9A-5C51-3B75A1088B57}"/>
+                <a16:creationId xmlns:a16="http://schemas.microsoft.com/office/drawing/2014/main" id="{FEB5D0C6-5D14-CA5C-9BC8-C41FB4482C92}"/>
               </a:ext>
             </a:extLst>
           </p:cNvPr>
@@ -13446,10 +13869,10 @@
             </a:pathLst>
           </a:custGeom>
           <a:blipFill>
-            <a:blip r:embed="rId2">
+            <a:blip r:embed="rId3">
               <a:extLst>
                 <a:ext uri="{96DAC541-7B7A-43D3-8B79-37D633B846F1}">
-                  <asvg:svgBlip xmlns:asvg="http://schemas.microsoft.com/office/drawing/2016/SVG/main" r:embed="rId3"/>
+                  <asvg:svgBlip xmlns:asvg="http://schemas.microsoft.com/office/drawing/2016/SVG/main" r:embed="rId4"/>
                 </a:ext>
               </a:extLst>
             </a:blip>
@@ -13471,7 +13894,7 @@
           <p:cNvPr id="11" name="Freeform 9">
             <a:extLst>
               <a:ext uri="{FF2B5EF4-FFF2-40B4-BE49-F238E27FC236}">
-                <a16:creationId xmlns:a16="http://schemas.microsoft.com/office/drawing/2014/main" id="{5CB497E4-4BF0-73CD-7794-E42A68746428}"/>
+                <a16:creationId xmlns:a16="http://schemas.microsoft.com/office/drawing/2014/main" id="{D74A80D0-D588-0A50-3C3E-49885A5BCC62}"/>
               </a:ext>
             </a:extLst>
           </p:cNvPr>
@@ -13511,10 +13934,10 @@
             </a:pathLst>
           </a:custGeom>
           <a:blipFill>
-            <a:blip r:embed="rId4">
+            <a:blip r:embed="rId5">
               <a:extLst>
                 <a:ext uri="{96DAC541-7B7A-43D3-8B79-37D633B846F1}">
-                  <asvg:svgBlip xmlns:asvg="http://schemas.microsoft.com/office/drawing/2016/SVG/main" r:embed="rId5"/>
+                  <asvg:svgBlip xmlns:asvg="http://schemas.microsoft.com/office/drawing/2016/SVG/main" r:embed="rId6"/>
                 </a:ext>
               </a:extLst>
             </a:blip>
@@ -13536,7 +13959,7 @@
           <p:cNvPr id="12" name="Group 10">
             <a:extLst>
               <a:ext uri="{FF2B5EF4-FFF2-40B4-BE49-F238E27FC236}">
-                <a16:creationId xmlns:a16="http://schemas.microsoft.com/office/drawing/2014/main" id="{AFDBDCAC-34DE-497C-2AEA-6529B0903071}"/>
+                <a16:creationId xmlns:a16="http://schemas.microsoft.com/office/drawing/2014/main" id="{59DB1ED4-F1AC-6D19-0473-1C268753C306}"/>
               </a:ext>
             </a:extLst>
           </p:cNvPr>
@@ -13556,7 +13979,7 @@
             <p:cNvPr id="13" name="Freeform 11">
               <a:extLst>
                 <a:ext uri="{FF2B5EF4-FFF2-40B4-BE49-F238E27FC236}">
-                  <a16:creationId xmlns:a16="http://schemas.microsoft.com/office/drawing/2014/main" id="{375CCE83-EEC7-3CA8-2C9E-487DB20ECEDE}"/>
+                  <a16:creationId xmlns:a16="http://schemas.microsoft.com/office/drawing/2014/main" id="{63C3D438-52E3-45D1-D0C7-D127F37A1738}"/>
                 </a:ext>
               </a:extLst>
             </p:cNvPr>
@@ -13659,7 +14082,7 @@
             <p:cNvPr id="14" name="TextBox 12">
               <a:extLst>
                 <a:ext uri="{FF2B5EF4-FFF2-40B4-BE49-F238E27FC236}">
-                  <a16:creationId xmlns:a16="http://schemas.microsoft.com/office/drawing/2014/main" id="{69058A9B-B3A1-4CAF-73A2-508D6883CBF6}"/>
+                  <a16:creationId xmlns:a16="http://schemas.microsoft.com/office/drawing/2014/main" id="{6D50B465-E301-1310-C905-4E7DEE2E8C40}"/>
                 </a:ext>
               </a:extLst>
             </p:cNvPr>
@@ -13697,7 +14120,7 @@
           <p:cNvPr id="15" name="Freeform 13">
             <a:extLst>
               <a:ext uri="{FF2B5EF4-FFF2-40B4-BE49-F238E27FC236}">
-                <a16:creationId xmlns:a16="http://schemas.microsoft.com/office/drawing/2014/main" id="{DF61CECC-4AFE-CFCB-5A28-309C69C0E18B}"/>
+                <a16:creationId xmlns:a16="http://schemas.microsoft.com/office/drawing/2014/main" id="{37A0F968-4E4F-BADF-D85D-3B6717814D2D}"/>
               </a:ext>
             </a:extLst>
           </p:cNvPr>
@@ -13737,7 +14160,7 @@
             </a:pathLst>
           </a:custGeom>
           <a:blipFill>
-            <a:blip r:embed="rId6"/>
+            <a:blip r:embed="rId7"/>
             <a:stretch>
               <a:fillRect/>
             </a:stretch>
@@ -13756,7 +14179,7 @@
           <p:cNvPr id="16" name="Group 14">
             <a:extLst>
               <a:ext uri="{FF2B5EF4-FFF2-40B4-BE49-F238E27FC236}">
-                <a16:creationId xmlns:a16="http://schemas.microsoft.com/office/drawing/2014/main" id="{5666B2CA-ADFE-3338-6896-4086A71087A0}"/>
+                <a16:creationId xmlns:a16="http://schemas.microsoft.com/office/drawing/2014/main" id="{BC851C4F-4D5D-8012-1FCF-0625D1D9B05C}"/>
               </a:ext>
             </a:extLst>
           </p:cNvPr>
@@ -13776,7 +14199,7 @@
             <p:cNvPr id="17" name="Group 15">
               <a:extLst>
                 <a:ext uri="{FF2B5EF4-FFF2-40B4-BE49-F238E27FC236}">
-                  <a16:creationId xmlns:a16="http://schemas.microsoft.com/office/drawing/2014/main" id="{609DB805-9E0C-3A80-B4BE-B28329006CAC}"/>
+                  <a16:creationId xmlns:a16="http://schemas.microsoft.com/office/drawing/2014/main" id="{82A03ED8-504D-82D9-1A2E-7E28799A618F}"/>
                 </a:ext>
               </a:extLst>
             </p:cNvPr>
@@ -13796,7 +14219,7 @@
               <p:cNvPr id="21" name="Freeform 16">
                 <a:extLst>
                   <a:ext uri="{FF2B5EF4-FFF2-40B4-BE49-F238E27FC236}">
-                    <a16:creationId xmlns:a16="http://schemas.microsoft.com/office/drawing/2014/main" id="{1F45B9C1-1113-163B-EFFA-599A451FDD00}"/>
+                    <a16:creationId xmlns:a16="http://schemas.microsoft.com/office/drawing/2014/main" id="{C500ABCF-76C9-2BB8-9A5E-A5490AB0025C}"/>
                   </a:ext>
                 </a:extLst>
               </p:cNvPr>
@@ -13899,7 +14322,7 @@
               <p:cNvPr id="22" name="TextBox 17">
                 <a:extLst>
                   <a:ext uri="{FF2B5EF4-FFF2-40B4-BE49-F238E27FC236}">
-                    <a16:creationId xmlns:a16="http://schemas.microsoft.com/office/drawing/2014/main" id="{459A2D06-BB32-12B4-4EE0-AD72D38F8940}"/>
+                    <a16:creationId xmlns:a16="http://schemas.microsoft.com/office/drawing/2014/main" id="{468B9D70-71ED-2FCA-6C0E-A3E59FA0EC60}"/>
                   </a:ext>
                 </a:extLst>
               </p:cNvPr>
@@ -13937,7 +14360,7 @@
             <p:cNvPr id="18" name="Picture 18">
               <a:extLst>
                 <a:ext uri="{FF2B5EF4-FFF2-40B4-BE49-F238E27FC236}">
-                  <a16:creationId xmlns:a16="http://schemas.microsoft.com/office/drawing/2014/main" id="{6344CB5E-E456-B9C0-98E1-048E230F158A}"/>
+                  <a16:creationId xmlns:a16="http://schemas.microsoft.com/office/drawing/2014/main" id="{FD4C2C2C-74B7-E0A5-737A-F3119C73010B}"/>
                 </a:ext>
               </a:extLst>
             </p:cNvPr>
@@ -13947,7 +14370,7 @@
             <p:nvPr/>
           </p:nvPicPr>
           <p:blipFill>
-            <a:blip r:embed="rId7"/>
+            <a:blip r:embed="rId8"/>
             <a:srcRect/>
             <a:stretch>
               <a:fillRect/>
@@ -13968,7 +14391,7 @@
             <p:cNvPr id="19" name="Picture 19">
               <a:extLst>
                 <a:ext uri="{FF2B5EF4-FFF2-40B4-BE49-F238E27FC236}">
-                  <a16:creationId xmlns:a16="http://schemas.microsoft.com/office/drawing/2014/main" id="{86B2A276-F190-7518-E9E7-731D87718C1E}"/>
+                  <a16:creationId xmlns:a16="http://schemas.microsoft.com/office/drawing/2014/main" id="{6FC6A029-14E1-D085-4810-2ECDE74C3A0E}"/>
                 </a:ext>
               </a:extLst>
             </p:cNvPr>
@@ -13978,7 +14401,7 @@
             <p:nvPr/>
           </p:nvPicPr>
           <p:blipFill>
-            <a:blip r:embed="rId7"/>
+            <a:blip r:embed="rId8"/>
             <a:srcRect/>
             <a:stretch>
               <a:fillRect/>
@@ -13999,7 +14422,7 @@
             <p:cNvPr id="20" name="TextBox 20">
               <a:extLst>
                 <a:ext uri="{FF2B5EF4-FFF2-40B4-BE49-F238E27FC236}">
-                  <a16:creationId xmlns:a16="http://schemas.microsoft.com/office/drawing/2014/main" id="{2D9488A5-A072-45EF-EA38-00DDE53FBCEF}"/>
+                  <a16:creationId xmlns:a16="http://schemas.microsoft.com/office/drawing/2014/main" id="{4221CF59-ECE7-0EB5-6E56-DDEBB416F9D8}"/>
                 </a:ext>
               </a:extLst>
             </p:cNvPr>
@@ -14050,7 +14473,7 @@
           <p:cNvPr id="23" name="TextBox 22">
             <a:extLst>
               <a:ext uri="{FF2B5EF4-FFF2-40B4-BE49-F238E27FC236}">
-                <a16:creationId xmlns:a16="http://schemas.microsoft.com/office/drawing/2014/main" id="{C90EA220-3E75-2B7A-6065-39F96F92E529}"/>
+                <a16:creationId xmlns:a16="http://schemas.microsoft.com/office/drawing/2014/main" id="{F408E3E4-6DD6-AFD3-8195-411A958B28AF}"/>
               </a:ext>
             </a:extLst>
           </p:cNvPr>
@@ -14100,7 +14523,7 @@
           <p:cNvPr id="24" name="TextBox 23">
             <a:extLst>
               <a:ext uri="{FF2B5EF4-FFF2-40B4-BE49-F238E27FC236}">
-                <a16:creationId xmlns:a16="http://schemas.microsoft.com/office/drawing/2014/main" id="{070884E2-7CB5-C3B0-4B3C-0ADC28498848}"/>
+                <a16:creationId xmlns:a16="http://schemas.microsoft.com/office/drawing/2014/main" id="{9285A0ED-B74D-68A2-2881-CB989E21E62B}"/>
               </a:ext>
             </a:extLst>
           </p:cNvPr>
@@ -14150,7 +14573,7 @@
           <p:cNvPr id="25" name="TextBox 24">
             <a:extLst>
               <a:ext uri="{FF2B5EF4-FFF2-40B4-BE49-F238E27FC236}">
-                <a16:creationId xmlns:a16="http://schemas.microsoft.com/office/drawing/2014/main" id="{00C971FC-1B24-389F-AED3-D6A6308A1AB9}"/>
+                <a16:creationId xmlns:a16="http://schemas.microsoft.com/office/drawing/2014/main" id="{0FAFA9C5-D4F7-D78A-BDF4-D18CA1BCA64C}"/>
               </a:ext>
             </a:extLst>
           </p:cNvPr>
@@ -14200,7 +14623,7 @@
           <p:cNvPr id="26" name="TextBox 25">
             <a:extLst>
               <a:ext uri="{FF2B5EF4-FFF2-40B4-BE49-F238E27FC236}">
-                <a16:creationId xmlns:a16="http://schemas.microsoft.com/office/drawing/2014/main" id="{85A6C9A2-1C80-1163-4F82-A7A5152713B2}"/>
+                <a16:creationId xmlns:a16="http://schemas.microsoft.com/office/drawing/2014/main" id="{2C8B7414-9711-FC6E-EDA8-D876D86C22F2}"/>
               </a:ext>
             </a:extLst>
           </p:cNvPr>
@@ -14250,7 +14673,7 @@
           <p:cNvPr id="33" name="Title 1">
             <a:extLst>
               <a:ext uri="{FF2B5EF4-FFF2-40B4-BE49-F238E27FC236}">
-                <a16:creationId xmlns:a16="http://schemas.microsoft.com/office/drawing/2014/main" id="{780BD097-30C9-0F9A-5AA2-D039853ADD23}"/>
+                <a16:creationId xmlns:a16="http://schemas.microsoft.com/office/drawing/2014/main" id="{BB13111B-83D3-5F77-5FAA-776945A4324B}"/>
               </a:ext>
             </a:extLst>
           </p:cNvPr>
@@ -14280,7 +14703,7 @@
           <p:cNvPr id="34" name="Content Placeholder 2">
             <a:extLst>
               <a:ext uri="{FF2B5EF4-FFF2-40B4-BE49-F238E27FC236}">
-                <a16:creationId xmlns:a16="http://schemas.microsoft.com/office/drawing/2014/main" id="{CD1B1F0A-7C5F-8352-BBFA-280E3DED57E1}"/>
+                <a16:creationId xmlns:a16="http://schemas.microsoft.com/office/drawing/2014/main" id="{43DA366C-4B54-A26F-E7B5-A3385C938407}"/>
               </a:ext>
             </a:extLst>
           </p:cNvPr>
@@ -14308,7 +14731,7 @@
     </p:spTree>
     <p:extLst>
       <p:ext uri="{BB962C8B-B14F-4D97-AF65-F5344CB8AC3E}">
-        <p14:creationId xmlns:p14="http://schemas.microsoft.com/office/powerpoint/2010/main" val="2102750119"/>
+        <p14:creationId xmlns:p14="http://schemas.microsoft.com/office/powerpoint/2010/main" val="212569813"/>
       </p:ext>
     </p:extLst>
   </p:cSld>
@@ -14326,7 +14749,7 @@
         <p:cNvPr id="1" name="">
           <a:extLst>
             <a:ext uri="{FF2B5EF4-FFF2-40B4-BE49-F238E27FC236}">
-              <a16:creationId xmlns:a16="http://schemas.microsoft.com/office/drawing/2014/main" id="{1524F341-6083-8DB6-0373-B5C6DC084A4A}"/>
+              <a16:creationId xmlns:a16="http://schemas.microsoft.com/office/drawing/2014/main" id="{5208B1D6-1806-340D-DB3E-64BF807D8857}"/>
             </a:ext>
           </a:extLst>
         </p:cNvPr>
@@ -14341,12 +14764,59 @@
           <a:chExt cx="0" cy="0"/>
         </a:xfrm>
       </p:grpSpPr>
+      <p:pic>
+        <p:nvPicPr>
+          <p:cNvPr id="1026" name="Picture 2">
+            <a:extLst>
+              <a:ext uri="{FF2B5EF4-FFF2-40B4-BE49-F238E27FC236}">
+                <a16:creationId xmlns:a16="http://schemas.microsoft.com/office/drawing/2014/main" id="{2ADBB6C7-318F-DECF-1C88-1C7A6AC86649}"/>
+              </a:ext>
+            </a:extLst>
+          </p:cNvPr>
+          <p:cNvPicPr>
+            <a:picLocks noChangeAspect="1" noChangeArrowheads="1"/>
+          </p:cNvPicPr>
+          <p:nvPr/>
+        </p:nvPicPr>
+        <p:blipFill>
+          <a:blip r:embed="rId2">
+            <a:extLst>
+              <a:ext uri="{28A0092B-C50C-407E-A947-70E740481C1C}">
+                <a14:useLocalDpi xmlns:a14="http://schemas.microsoft.com/office/drawing/2010/main" val="0"/>
+              </a:ext>
+            </a:extLst>
+          </a:blip>
+          <a:srcRect/>
+          <a:stretch>
+            <a:fillRect/>
+          </a:stretch>
+        </p:blipFill>
+        <p:spPr bwMode="auto">
+          <a:xfrm>
+            <a:off x="-152400" y="-127524"/>
+            <a:ext cx="19283679" cy="10757424"/>
+          </a:xfrm>
+          <a:prstGeom prst="rect">
+            <a:avLst/>
+          </a:prstGeom>
+          <a:noFill/>
+          <a:extLst>
+            <a:ext uri="{909E8E84-426E-40DD-AFC4-6F175D3DCCD1}">
+              <a14:hiddenFill xmlns:a14="http://schemas.microsoft.com/office/drawing/2010/main">
+                <a:solidFill>
+                  <a:srgbClr val="FFFFFF"/>
+                </a:solidFill>
+              </a14:hiddenFill>
+            </a:ext>
+          </a:extLst>
+        </p:spPr>
+      </p:pic>
       <p:grpSp>
         <p:nvGrpSpPr>
           <p:cNvPr id="4" name="Group 2">
             <a:extLst>
               <a:ext uri="{FF2B5EF4-FFF2-40B4-BE49-F238E27FC236}">
-                <a16:creationId xmlns:a16="http://schemas.microsoft.com/office/drawing/2014/main" id="{C60A92EF-FCF8-D194-E21D-3D02D418140B}"/>
+                <a16:creationId xmlns:a16="http://schemas.microsoft.com/office/drawing/2014/main" id="{8ACFDA02-358C-178A-91EF-C883C6A4DB34}"/>
               </a:ext>
             </a:extLst>
           </p:cNvPr>
@@ -14366,7 +14836,7 @@
             <p:cNvPr id="5" name="Freeform 3">
               <a:extLst>
                 <a:ext uri="{FF2B5EF4-FFF2-40B4-BE49-F238E27FC236}">
-                  <a16:creationId xmlns:a16="http://schemas.microsoft.com/office/drawing/2014/main" id="{2E4C1635-4FA4-507A-7074-02BC0B9699DD}"/>
+                  <a16:creationId xmlns:a16="http://schemas.microsoft.com/office/drawing/2014/main" id="{D10EEDF2-EFF3-A159-7A4F-62AAF25624DD}"/>
                 </a:ext>
               </a:extLst>
             </p:cNvPr>
@@ -14474,7 +14944,7 @@
             <p:cNvPr id="6" name="TextBox 4">
               <a:extLst>
                 <a:ext uri="{FF2B5EF4-FFF2-40B4-BE49-F238E27FC236}">
-                  <a16:creationId xmlns:a16="http://schemas.microsoft.com/office/drawing/2014/main" id="{44B5C738-422D-2380-2AD0-9C817791E1A3}"/>
+                  <a16:creationId xmlns:a16="http://schemas.microsoft.com/office/drawing/2014/main" id="{525BC2DE-F979-22DF-825C-AB44254ABC13}"/>
                 </a:ext>
               </a:extLst>
             </p:cNvPr>
@@ -14512,7 +14982,7 @@
           <p:cNvPr id="7" name="Group 5">
             <a:extLst>
               <a:ext uri="{FF2B5EF4-FFF2-40B4-BE49-F238E27FC236}">
-                <a16:creationId xmlns:a16="http://schemas.microsoft.com/office/drawing/2014/main" id="{D542B323-82AD-E892-B3AC-41B5BA8476A6}"/>
+                <a16:creationId xmlns:a16="http://schemas.microsoft.com/office/drawing/2014/main" id="{7B090718-E764-340D-148A-56B902189606}"/>
               </a:ext>
             </a:extLst>
           </p:cNvPr>
@@ -14532,7 +15002,7 @@
             <p:cNvPr id="8" name="Freeform 6">
               <a:extLst>
                 <a:ext uri="{FF2B5EF4-FFF2-40B4-BE49-F238E27FC236}">
-                  <a16:creationId xmlns:a16="http://schemas.microsoft.com/office/drawing/2014/main" id="{61EA328A-D755-27AA-AB21-8E8D60B6EAEA}"/>
+                  <a16:creationId xmlns:a16="http://schemas.microsoft.com/office/drawing/2014/main" id="{AEDF0100-BB52-B4C4-3E90-B8C1A4E6D75F}"/>
                 </a:ext>
               </a:extLst>
             </p:cNvPr>
@@ -14620,7 +15090,7 @@
             <p:cNvPr id="9" name="TextBox 7">
               <a:extLst>
                 <a:ext uri="{FF2B5EF4-FFF2-40B4-BE49-F238E27FC236}">
-                  <a16:creationId xmlns:a16="http://schemas.microsoft.com/office/drawing/2014/main" id="{912F68A6-9881-19AD-27D4-C43F68F0218E}"/>
+                  <a16:creationId xmlns:a16="http://schemas.microsoft.com/office/drawing/2014/main" id="{CD31A463-1C70-E965-7433-13261483EB3E}"/>
                 </a:ext>
               </a:extLst>
             </p:cNvPr>
@@ -14658,7 +15128,7 @@
           <p:cNvPr id="10" name="Freeform 8">
             <a:extLst>
               <a:ext uri="{FF2B5EF4-FFF2-40B4-BE49-F238E27FC236}">
-                <a16:creationId xmlns:a16="http://schemas.microsoft.com/office/drawing/2014/main" id="{3B580E8B-D3C4-2241-459F-DB9C51F75123}"/>
+                <a16:creationId xmlns:a16="http://schemas.microsoft.com/office/drawing/2014/main" id="{DC459CF9-8A06-CA6B-5740-9724DA262110}"/>
               </a:ext>
             </a:extLst>
           </p:cNvPr>
@@ -14698,10 +15168,10 @@
             </a:pathLst>
           </a:custGeom>
           <a:blipFill>
-            <a:blip r:embed="rId2">
+            <a:blip r:embed="rId3">
               <a:extLst>
                 <a:ext uri="{96DAC541-7B7A-43D3-8B79-37D633B846F1}">
-                  <asvg:svgBlip xmlns:asvg="http://schemas.microsoft.com/office/drawing/2016/SVG/main" r:embed="rId3"/>
+                  <asvg:svgBlip xmlns:asvg="http://schemas.microsoft.com/office/drawing/2016/SVG/main" r:embed="rId4"/>
                 </a:ext>
               </a:extLst>
             </a:blip>
@@ -14723,7 +15193,7 @@
           <p:cNvPr id="11" name="Freeform 9">
             <a:extLst>
               <a:ext uri="{FF2B5EF4-FFF2-40B4-BE49-F238E27FC236}">
-                <a16:creationId xmlns:a16="http://schemas.microsoft.com/office/drawing/2014/main" id="{D8EACA97-F894-BB14-5D19-182FB23A88FE}"/>
+                <a16:creationId xmlns:a16="http://schemas.microsoft.com/office/drawing/2014/main" id="{00AE969A-9C13-7D3A-C8E7-7190DF3AD355}"/>
               </a:ext>
             </a:extLst>
           </p:cNvPr>
@@ -14763,10 +15233,10 @@
             </a:pathLst>
           </a:custGeom>
           <a:blipFill>
-            <a:blip r:embed="rId4">
+            <a:blip r:embed="rId5">
               <a:extLst>
                 <a:ext uri="{96DAC541-7B7A-43D3-8B79-37D633B846F1}">
-                  <asvg:svgBlip xmlns:asvg="http://schemas.microsoft.com/office/drawing/2016/SVG/main" r:embed="rId5"/>
+                  <asvg:svgBlip xmlns:asvg="http://schemas.microsoft.com/office/drawing/2016/SVG/main" r:embed="rId6"/>
                 </a:ext>
               </a:extLst>
             </a:blip>
@@ -14788,7 +15258,7 @@
           <p:cNvPr id="12" name="Group 10">
             <a:extLst>
               <a:ext uri="{FF2B5EF4-FFF2-40B4-BE49-F238E27FC236}">
-                <a16:creationId xmlns:a16="http://schemas.microsoft.com/office/drawing/2014/main" id="{AACBB8EE-DE91-8C35-4CA0-17DF604A5C9A}"/>
+                <a16:creationId xmlns:a16="http://schemas.microsoft.com/office/drawing/2014/main" id="{CE387FEE-95F8-0AC3-2118-ACDFAC95DB14}"/>
               </a:ext>
             </a:extLst>
           </p:cNvPr>
@@ -14808,7 +15278,7 @@
             <p:cNvPr id="13" name="Freeform 11">
               <a:extLst>
                 <a:ext uri="{FF2B5EF4-FFF2-40B4-BE49-F238E27FC236}">
-                  <a16:creationId xmlns:a16="http://schemas.microsoft.com/office/drawing/2014/main" id="{30903A6E-2AEE-EB8B-94C0-01F9E5EF66FC}"/>
+                  <a16:creationId xmlns:a16="http://schemas.microsoft.com/office/drawing/2014/main" id="{845D0805-9094-A8BE-CBFE-5E136BE780A7}"/>
                 </a:ext>
               </a:extLst>
             </p:cNvPr>
@@ -14911,7 +15381,7 @@
             <p:cNvPr id="14" name="TextBox 12">
               <a:extLst>
                 <a:ext uri="{FF2B5EF4-FFF2-40B4-BE49-F238E27FC236}">
-                  <a16:creationId xmlns:a16="http://schemas.microsoft.com/office/drawing/2014/main" id="{4CF8D8E0-1651-899C-A8F1-FFAFDEE3AFE5}"/>
+                  <a16:creationId xmlns:a16="http://schemas.microsoft.com/office/drawing/2014/main" id="{32EF6919-6235-7679-07C3-9995C7510F51}"/>
                 </a:ext>
               </a:extLst>
             </p:cNvPr>
@@ -14949,7 +15419,7 @@
           <p:cNvPr id="15" name="Freeform 13">
             <a:extLst>
               <a:ext uri="{FF2B5EF4-FFF2-40B4-BE49-F238E27FC236}">
-                <a16:creationId xmlns:a16="http://schemas.microsoft.com/office/drawing/2014/main" id="{5DD02D27-7493-6F0E-9352-13AADEF44865}"/>
+                <a16:creationId xmlns:a16="http://schemas.microsoft.com/office/drawing/2014/main" id="{55BA45D3-6B6D-888C-6C96-9DEF17ACB505}"/>
               </a:ext>
             </a:extLst>
           </p:cNvPr>
@@ -14989,7 +15459,7 @@
             </a:pathLst>
           </a:custGeom>
           <a:blipFill>
-            <a:blip r:embed="rId6"/>
+            <a:blip r:embed="rId7"/>
             <a:stretch>
               <a:fillRect/>
             </a:stretch>
@@ -15008,7 +15478,7 @@
           <p:cNvPr id="16" name="Group 14">
             <a:extLst>
               <a:ext uri="{FF2B5EF4-FFF2-40B4-BE49-F238E27FC236}">
-                <a16:creationId xmlns:a16="http://schemas.microsoft.com/office/drawing/2014/main" id="{69DDB2AC-F9FE-34FC-AD77-3BD9E326C927}"/>
+                <a16:creationId xmlns:a16="http://schemas.microsoft.com/office/drawing/2014/main" id="{2238243D-1D15-CDAB-FE25-6ECE09664A0D}"/>
               </a:ext>
             </a:extLst>
           </p:cNvPr>
@@ -15028,7 +15498,7 @@
             <p:cNvPr id="17" name="Group 15">
               <a:extLst>
                 <a:ext uri="{FF2B5EF4-FFF2-40B4-BE49-F238E27FC236}">
-                  <a16:creationId xmlns:a16="http://schemas.microsoft.com/office/drawing/2014/main" id="{7B18E033-BE04-4B52-DF1E-37B32E14987B}"/>
+                  <a16:creationId xmlns:a16="http://schemas.microsoft.com/office/drawing/2014/main" id="{420323CB-5A99-5B71-7BD8-494D6B8A7247}"/>
                 </a:ext>
               </a:extLst>
             </p:cNvPr>
@@ -15048,7 +15518,7 @@
               <p:cNvPr id="21" name="Freeform 16">
                 <a:extLst>
                   <a:ext uri="{FF2B5EF4-FFF2-40B4-BE49-F238E27FC236}">
-                    <a16:creationId xmlns:a16="http://schemas.microsoft.com/office/drawing/2014/main" id="{321F18C5-B488-7ECB-A4F8-4EA067C46379}"/>
+                    <a16:creationId xmlns:a16="http://schemas.microsoft.com/office/drawing/2014/main" id="{3A8E047A-ED0D-554C-487D-BC5D1E7C008F}"/>
                   </a:ext>
                 </a:extLst>
               </p:cNvPr>
@@ -15151,7 +15621,7 @@
               <p:cNvPr id="22" name="TextBox 17">
                 <a:extLst>
                   <a:ext uri="{FF2B5EF4-FFF2-40B4-BE49-F238E27FC236}">
-                    <a16:creationId xmlns:a16="http://schemas.microsoft.com/office/drawing/2014/main" id="{94F745E9-6DB0-A6DD-FE7B-28DED78F602D}"/>
+                    <a16:creationId xmlns:a16="http://schemas.microsoft.com/office/drawing/2014/main" id="{2F91AF6C-570F-F55D-5081-F4B3886D945F}"/>
                   </a:ext>
                 </a:extLst>
               </p:cNvPr>
@@ -15189,7 +15659,7 @@
             <p:cNvPr id="18" name="Picture 18">
               <a:extLst>
                 <a:ext uri="{FF2B5EF4-FFF2-40B4-BE49-F238E27FC236}">
-                  <a16:creationId xmlns:a16="http://schemas.microsoft.com/office/drawing/2014/main" id="{09657F59-A94A-16DF-25EE-38AE8BBF4A7B}"/>
+                  <a16:creationId xmlns:a16="http://schemas.microsoft.com/office/drawing/2014/main" id="{CC749E66-8567-0E5B-C0A3-FC982D9977BF}"/>
                 </a:ext>
               </a:extLst>
             </p:cNvPr>
@@ -15199,7 +15669,7 @@
             <p:nvPr/>
           </p:nvPicPr>
           <p:blipFill>
-            <a:blip r:embed="rId7"/>
+            <a:blip r:embed="rId8"/>
             <a:srcRect/>
             <a:stretch>
               <a:fillRect/>
@@ -15220,7 +15690,7 @@
             <p:cNvPr id="19" name="Picture 19">
               <a:extLst>
                 <a:ext uri="{FF2B5EF4-FFF2-40B4-BE49-F238E27FC236}">
-                  <a16:creationId xmlns:a16="http://schemas.microsoft.com/office/drawing/2014/main" id="{6640B115-0442-C0CC-4C2E-87315DF5CABA}"/>
+                  <a16:creationId xmlns:a16="http://schemas.microsoft.com/office/drawing/2014/main" id="{B761F26E-D75B-4BC2-2128-F0276E1A6F7E}"/>
                 </a:ext>
               </a:extLst>
             </p:cNvPr>
@@ -15230,7 +15700,7 @@
             <p:nvPr/>
           </p:nvPicPr>
           <p:blipFill>
-            <a:blip r:embed="rId7"/>
+            <a:blip r:embed="rId8"/>
             <a:srcRect/>
             <a:stretch>
               <a:fillRect/>
@@ -15251,7 +15721,7 @@
             <p:cNvPr id="20" name="TextBox 20">
               <a:extLst>
                 <a:ext uri="{FF2B5EF4-FFF2-40B4-BE49-F238E27FC236}">
-                  <a16:creationId xmlns:a16="http://schemas.microsoft.com/office/drawing/2014/main" id="{114E5B86-DE69-8611-2A42-9ACEE8B8546F}"/>
+                  <a16:creationId xmlns:a16="http://schemas.microsoft.com/office/drawing/2014/main" id="{E7E00C66-869C-5D10-914E-45688170EA7C}"/>
                 </a:ext>
               </a:extLst>
             </p:cNvPr>
@@ -15302,7 +15772,7 @@
           <p:cNvPr id="23" name="TextBox 22">
             <a:extLst>
               <a:ext uri="{FF2B5EF4-FFF2-40B4-BE49-F238E27FC236}">
-                <a16:creationId xmlns:a16="http://schemas.microsoft.com/office/drawing/2014/main" id="{0F46B0FB-585A-2014-B678-C8E47722500D}"/>
+                <a16:creationId xmlns:a16="http://schemas.microsoft.com/office/drawing/2014/main" id="{FE07104B-1018-557C-2272-4A032CFF94BB}"/>
               </a:ext>
             </a:extLst>
           </p:cNvPr>
@@ -15352,7 +15822,7 @@
           <p:cNvPr id="24" name="TextBox 23">
             <a:extLst>
               <a:ext uri="{FF2B5EF4-FFF2-40B4-BE49-F238E27FC236}">
-                <a16:creationId xmlns:a16="http://schemas.microsoft.com/office/drawing/2014/main" id="{0B397A37-45FD-0B9B-35A4-F1046F478803}"/>
+                <a16:creationId xmlns:a16="http://schemas.microsoft.com/office/drawing/2014/main" id="{A237992E-B646-2168-CEB6-919AAE8DEF49}"/>
               </a:ext>
             </a:extLst>
           </p:cNvPr>
@@ -15402,7 +15872,7 @@
           <p:cNvPr id="25" name="TextBox 24">
             <a:extLst>
               <a:ext uri="{FF2B5EF4-FFF2-40B4-BE49-F238E27FC236}">
-                <a16:creationId xmlns:a16="http://schemas.microsoft.com/office/drawing/2014/main" id="{0BA90561-A868-1D4B-865E-77BD034758AB}"/>
+                <a16:creationId xmlns:a16="http://schemas.microsoft.com/office/drawing/2014/main" id="{4D63D5DF-E41D-28D0-9410-9F6C914BB9B9}"/>
               </a:ext>
             </a:extLst>
           </p:cNvPr>
@@ -15452,7 +15922,7 @@
           <p:cNvPr id="26" name="TextBox 25">
             <a:extLst>
               <a:ext uri="{FF2B5EF4-FFF2-40B4-BE49-F238E27FC236}">
-                <a16:creationId xmlns:a16="http://schemas.microsoft.com/office/drawing/2014/main" id="{8364F44C-C480-7FB4-013B-9428C9171AE4}"/>
+                <a16:creationId xmlns:a16="http://schemas.microsoft.com/office/drawing/2014/main" id="{7F342448-1B65-B380-3F5B-452CDAF02738}"/>
               </a:ext>
             </a:extLst>
           </p:cNvPr>
@@ -15502,7 +15972,7 @@
           <p:cNvPr id="33" name="Title 1">
             <a:extLst>
               <a:ext uri="{FF2B5EF4-FFF2-40B4-BE49-F238E27FC236}">
-                <a16:creationId xmlns:a16="http://schemas.microsoft.com/office/drawing/2014/main" id="{6EE2D344-17A9-A2D9-F14A-0DCCB712E955}"/>
+                <a16:creationId xmlns:a16="http://schemas.microsoft.com/office/drawing/2014/main" id="{34013F00-0A99-E2CD-CE53-D3BE442F6914}"/>
               </a:ext>
             </a:extLst>
           </p:cNvPr>
@@ -15532,7 +16002,7 @@
           <p:cNvPr id="34" name="Content Placeholder 2">
             <a:extLst>
               <a:ext uri="{FF2B5EF4-FFF2-40B4-BE49-F238E27FC236}">
-                <a16:creationId xmlns:a16="http://schemas.microsoft.com/office/drawing/2014/main" id="{23943323-AA4E-4483-2DFD-78E746ADE844}"/>
+                <a16:creationId xmlns:a16="http://schemas.microsoft.com/office/drawing/2014/main" id="{3A787F0C-922D-D1DB-9F43-475C77401A47}"/>
               </a:ext>
             </a:extLst>
           </p:cNvPr>
@@ -15560,7 +16030,7 @@
     </p:spTree>
     <p:extLst>
       <p:ext uri="{BB962C8B-B14F-4D97-AF65-F5344CB8AC3E}">
-        <p14:creationId xmlns:p14="http://schemas.microsoft.com/office/powerpoint/2010/main" val="3960395264"/>
+        <p14:creationId xmlns:p14="http://schemas.microsoft.com/office/powerpoint/2010/main" val="4265905940"/>
       </p:ext>
     </p:extLst>
   </p:cSld>
